--- a/기획서/콘텐츠 관련/리볼트 데이 이슈 플로우차트.pptx
+++ b/기획서/콘텐츠 관련/리볼트 데이 이슈 플로우차트.pptx
@@ -6,6 +6,8 @@
   </p:sldMasterIdLst>
   <p:sldIdLst>
     <p:sldId id="257" r:id="rId2"/>
+    <p:sldId id="258" r:id="rId3"/>
+    <p:sldId id="259" r:id="rId4"/>
   </p:sldIdLst>
   <p:sldSz cx="12192000" cy="6858000"/>
   <p:notesSz cx="6858000" cy="9144000"/>
@@ -243,7 +245,7 @@
           <a:p>
             <a:fld id="{49747354-80BF-4D11-9951-4D990EB57CC6}" type="datetimeFigureOut">
               <a:rPr lang="ko-KR" altLang="en-US" smtClean="0"/>
-              <a:t>2018-12-19</a:t>
+              <a:t>2019-01-02</a:t>
             </a:fld>
             <a:endParaRPr lang="ko-KR" altLang="en-US"/>
           </a:p>
@@ -413,7 +415,7 @@
           <a:p>
             <a:fld id="{49747354-80BF-4D11-9951-4D990EB57CC6}" type="datetimeFigureOut">
               <a:rPr lang="ko-KR" altLang="en-US" smtClean="0"/>
-              <a:t>2018-12-19</a:t>
+              <a:t>2019-01-02</a:t>
             </a:fld>
             <a:endParaRPr lang="ko-KR" altLang="en-US"/>
           </a:p>
@@ -593,7 +595,7 @@
           <a:p>
             <a:fld id="{49747354-80BF-4D11-9951-4D990EB57CC6}" type="datetimeFigureOut">
               <a:rPr lang="ko-KR" altLang="en-US" smtClean="0"/>
-              <a:t>2018-12-19</a:t>
+              <a:t>2019-01-02</a:t>
             </a:fld>
             <a:endParaRPr lang="ko-KR" altLang="en-US"/>
           </a:p>
@@ -763,7 +765,7 @@
           <a:p>
             <a:fld id="{49747354-80BF-4D11-9951-4D990EB57CC6}" type="datetimeFigureOut">
               <a:rPr lang="ko-KR" altLang="en-US" smtClean="0"/>
-              <a:t>2018-12-19</a:t>
+              <a:t>2019-01-02</a:t>
             </a:fld>
             <a:endParaRPr lang="ko-KR" altLang="en-US"/>
           </a:p>
@@ -1009,7 +1011,7 @@
           <a:p>
             <a:fld id="{49747354-80BF-4D11-9951-4D990EB57CC6}" type="datetimeFigureOut">
               <a:rPr lang="ko-KR" altLang="en-US" smtClean="0"/>
-              <a:t>2018-12-19</a:t>
+              <a:t>2019-01-02</a:t>
             </a:fld>
             <a:endParaRPr lang="ko-KR" altLang="en-US"/>
           </a:p>
@@ -1241,7 +1243,7 @@
           <a:p>
             <a:fld id="{49747354-80BF-4D11-9951-4D990EB57CC6}" type="datetimeFigureOut">
               <a:rPr lang="ko-KR" altLang="en-US" smtClean="0"/>
-              <a:t>2018-12-19</a:t>
+              <a:t>2019-01-02</a:t>
             </a:fld>
             <a:endParaRPr lang="ko-KR" altLang="en-US"/>
           </a:p>
@@ -1608,7 +1610,7 @@
           <a:p>
             <a:fld id="{49747354-80BF-4D11-9951-4D990EB57CC6}" type="datetimeFigureOut">
               <a:rPr lang="ko-KR" altLang="en-US" smtClean="0"/>
-              <a:t>2018-12-19</a:t>
+              <a:t>2019-01-02</a:t>
             </a:fld>
             <a:endParaRPr lang="ko-KR" altLang="en-US"/>
           </a:p>
@@ -1726,7 +1728,7 @@
           <a:p>
             <a:fld id="{49747354-80BF-4D11-9951-4D990EB57CC6}" type="datetimeFigureOut">
               <a:rPr lang="ko-KR" altLang="en-US" smtClean="0"/>
-              <a:t>2018-12-19</a:t>
+              <a:t>2019-01-02</a:t>
             </a:fld>
             <a:endParaRPr lang="ko-KR" altLang="en-US"/>
           </a:p>
@@ -1821,7 +1823,7 @@
           <a:p>
             <a:fld id="{49747354-80BF-4D11-9951-4D990EB57CC6}" type="datetimeFigureOut">
               <a:rPr lang="ko-KR" altLang="en-US" smtClean="0"/>
-              <a:t>2018-12-19</a:t>
+              <a:t>2019-01-02</a:t>
             </a:fld>
             <a:endParaRPr lang="ko-KR" altLang="en-US"/>
           </a:p>
@@ -2098,7 +2100,7 @@
           <a:p>
             <a:fld id="{49747354-80BF-4D11-9951-4D990EB57CC6}" type="datetimeFigureOut">
               <a:rPr lang="ko-KR" altLang="en-US" smtClean="0"/>
-              <a:t>2018-12-19</a:t>
+              <a:t>2019-01-02</a:t>
             </a:fld>
             <a:endParaRPr lang="ko-KR" altLang="en-US"/>
           </a:p>
@@ -2351,7 +2353,7 @@
           <a:p>
             <a:fld id="{49747354-80BF-4D11-9951-4D990EB57CC6}" type="datetimeFigureOut">
               <a:rPr lang="ko-KR" altLang="en-US" smtClean="0"/>
-              <a:t>2018-12-19</a:t>
+              <a:t>2019-01-02</a:t>
             </a:fld>
             <a:endParaRPr lang="ko-KR" altLang="en-US"/>
           </a:p>
@@ -2564,7 +2566,7 @@
           <a:p>
             <a:fld id="{49747354-80BF-4D11-9951-4D990EB57CC6}" type="datetimeFigureOut">
               <a:rPr lang="ko-KR" altLang="en-US" smtClean="0"/>
-              <a:t>2018-12-19</a:t>
+              <a:t>2019-01-02</a:t>
             </a:fld>
             <a:endParaRPr lang="ko-KR" altLang="en-US"/>
           </a:p>
@@ -2969,29 +2971,2283 @@
           <a:chExt cx="0" cy="0"/>
         </a:xfrm>
       </p:grpSpPr>
+      <p:sp>
+        <p:nvSpPr>
+          <p:cNvPr id="27" name="직사각형 26"/>
+          <p:cNvSpPr/>
+          <p:nvPr/>
+        </p:nvSpPr>
+        <p:spPr>
+          <a:xfrm>
+            <a:off x="2801977" y="3974856"/>
+            <a:ext cx="794273" cy="344245"/>
+          </a:xfrm>
+          <a:prstGeom prst="rect">
+            <a:avLst/>
+          </a:prstGeom>
+          <a:solidFill>
+            <a:schemeClr val="accent4">
+              <a:lumMod val="40000"/>
+              <a:lumOff val="60000"/>
+            </a:schemeClr>
+          </a:solidFill>
+        </p:spPr>
+        <p:style>
+          <a:lnRef idx="2">
+            <a:schemeClr val="accent6">
+              <a:shade val="50000"/>
+            </a:schemeClr>
+          </a:lnRef>
+          <a:fillRef idx="1">
+            <a:schemeClr val="accent6"/>
+          </a:fillRef>
+          <a:effectRef idx="0">
+            <a:schemeClr val="accent6"/>
+          </a:effectRef>
+          <a:fontRef idx="minor">
+            <a:schemeClr val="lt1"/>
+          </a:fontRef>
+        </p:style>
+        <p:txBody>
+          <a:bodyPr rtlCol="0" anchor="ctr"/>
+          <a:lstStyle/>
+          <a:p>
+            <a:pPr algn="ctr"/>
+            <a:r>
+              <a:rPr lang="ko-KR" altLang="en-US" sz="1100" b="1" dirty="0" smtClean="0">
+                <a:solidFill>
+                  <a:schemeClr val="tx1"/>
+                </a:solidFill>
+              </a:rPr>
+              <a:t>조사</a:t>
+            </a:r>
+            <a:endParaRPr lang="ko-KR" altLang="en-US" sz="1100" b="1" dirty="0">
+              <a:solidFill>
+                <a:schemeClr val="tx1"/>
+              </a:solidFill>
+            </a:endParaRPr>
+          </a:p>
+        </p:txBody>
+      </p:sp>
+      <p:sp>
+        <p:nvSpPr>
+          <p:cNvPr id="84" name="직사각형 83"/>
+          <p:cNvSpPr/>
+          <p:nvPr/>
+        </p:nvSpPr>
+        <p:spPr>
+          <a:xfrm>
+            <a:off x="4049862" y="3974855"/>
+            <a:ext cx="794273" cy="344245"/>
+          </a:xfrm>
+          <a:prstGeom prst="rect">
+            <a:avLst/>
+          </a:prstGeom>
+        </p:spPr>
+        <p:style>
+          <a:lnRef idx="2">
+            <a:schemeClr val="dk1"/>
+          </a:lnRef>
+          <a:fillRef idx="1">
+            <a:schemeClr val="lt1"/>
+          </a:fillRef>
+          <a:effectRef idx="0">
+            <a:schemeClr val="dk1"/>
+          </a:effectRef>
+          <a:fontRef idx="minor">
+            <a:schemeClr val="dk1"/>
+          </a:fontRef>
+        </p:style>
+        <p:txBody>
+          <a:bodyPr rtlCol="0" anchor="ctr"/>
+          <a:lstStyle/>
+          <a:p>
+            <a:pPr algn="ctr"/>
+            <a:r>
+              <a:rPr lang="ko-KR" altLang="en-US" sz="1100" b="1" dirty="0" smtClean="0"/>
+              <a:t>조사 팝업</a:t>
+            </a:r>
+            <a:endParaRPr lang="ko-KR" altLang="en-US" sz="1100" b="1" dirty="0"/>
+          </a:p>
+        </p:txBody>
+      </p:sp>
+      <p:cxnSp>
+        <p:nvCxnSpPr>
+          <p:cNvPr id="90" name="직선 화살표 연결선 89"/>
+          <p:cNvCxnSpPr/>
+          <p:nvPr/>
+        </p:nvCxnSpPr>
+        <p:spPr>
+          <a:xfrm>
+            <a:off x="4844135" y="4147585"/>
+            <a:ext cx="453612" cy="0"/>
+          </a:xfrm>
+          <a:prstGeom prst="straightConnector1">
+            <a:avLst/>
+          </a:prstGeom>
+          <a:ln>
+            <a:solidFill>
+              <a:schemeClr val="accent1"/>
+            </a:solidFill>
+            <a:tailEnd type="triangle"/>
+          </a:ln>
+        </p:spPr>
+        <p:style>
+          <a:lnRef idx="1">
+            <a:schemeClr val="accent1"/>
+          </a:lnRef>
+          <a:fillRef idx="0">
+            <a:schemeClr val="accent1"/>
+          </a:fillRef>
+          <a:effectRef idx="0">
+            <a:schemeClr val="accent1"/>
+          </a:effectRef>
+          <a:fontRef idx="minor">
+            <a:schemeClr val="tx1"/>
+          </a:fontRef>
+        </p:style>
+      </p:cxnSp>
+      <p:sp>
+        <p:nvSpPr>
+          <p:cNvPr id="91" name="TextBox 90"/>
+          <p:cNvSpPr txBox="1"/>
+          <p:nvPr/>
+        </p:nvSpPr>
+        <p:spPr>
+          <a:xfrm>
+            <a:off x="4871924" y="3916145"/>
+            <a:ext cx="398033" cy="230832"/>
+          </a:xfrm>
+          <a:prstGeom prst="rect">
+            <a:avLst/>
+          </a:prstGeom>
+          <a:noFill/>
+        </p:spPr>
+        <p:txBody>
+          <a:bodyPr wrap="square" rtlCol="0">
+            <a:spAutoFit/>
+          </a:bodyPr>
+          <a:lstStyle/>
+          <a:p>
+            <a:r>
+              <a:rPr lang="en-US" altLang="ko-KR" sz="900" dirty="0" smtClean="0">
+                <a:solidFill>
+                  <a:schemeClr val="accent1"/>
+                </a:solidFill>
+              </a:rPr>
+              <a:t>Yes</a:t>
+            </a:r>
+            <a:endParaRPr lang="ko-KR" altLang="en-US" sz="900" dirty="0">
+              <a:solidFill>
+                <a:schemeClr val="accent1"/>
+              </a:solidFill>
+            </a:endParaRPr>
+          </a:p>
+        </p:txBody>
+      </p:sp>
+      <p:sp>
+        <p:nvSpPr>
+          <p:cNvPr id="93" name="직사각형 92"/>
+          <p:cNvSpPr/>
+          <p:nvPr/>
+        </p:nvSpPr>
+        <p:spPr>
+          <a:xfrm>
+            <a:off x="5312836" y="3974854"/>
+            <a:ext cx="794273" cy="344245"/>
+          </a:xfrm>
+          <a:prstGeom prst="rect">
+            <a:avLst/>
+          </a:prstGeom>
+        </p:spPr>
+        <p:style>
+          <a:lnRef idx="2">
+            <a:schemeClr val="dk1"/>
+          </a:lnRef>
+          <a:fillRef idx="1">
+            <a:schemeClr val="lt1"/>
+          </a:fillRef>
+          <a:effectRef idx="0">
+            <a:schemeClr val="dk1"/>
+          </a:effectRef>
+          <a:fontRef idx="minor">
+            <a:schemeClr val="dk1"/>
+          </a:fontRef>
+        </p:style>
+        <p:txBody>
+          <a:bodyPr rtlCol="0" anchor="ctr"/>
+          <a:lstStyle/>
+          <a:p>
+            <a:pPr algn="ctr"/>
+            <a:r>
+              <a:rPr lang="ko-KR" altLang="en-US" sz="1100" b="1" dirty="0" smtClean="0"/>
+              <a:t>조사 시작</a:t>
+            </a:r>
+            <a:endParaRPr lang="ko-KR" altLang="en-US" sz="1100" b="1" dirty="0"/>
+          </a:p>
+        </p:txBody>
+      </p:sp>
+      <p:cxnSp>
+        <p:nvCxnSpPr>
+          <p:cNvPr id="97" name="직선 화살표 연결선 96"/>
+          <p:cNvCxnSpPr/>
+          <p:nvPr/>
+        </p:nvCxnSpPr>
+        <p:spPr>
+          <a:xfrm flipH="1">
+            <a:off x="3596250" y="5031420"/>
+            <a:ext cx="841337" cy="0"/>
+          </a:xfrm>
+          <a:prstGeom prst="straightConnector1">
+            <a:avLst/>
+          </a:prstGeom>
+          <a:ln>
+            <a:solidFill>
+              <a:srgbClr val="FF0000"/>
+            </a:solidFill>
+            <a:tailEnd type="triangle"/>
+          </a:ln>
+        </p:spPr>
+        <p:style>
+          <a:lnRef idx="1">
+            <a:schemeClr val="accent1"/>
+          </a:lnRef>
+          <a:fillRef idx="0">
+            <a:schemeClr val="accent1"/>
+          </a:fillRef>
+          <a:effectRef idx="0">
+            <a:schemeClr val="accent1"/>
+          </a:effectRef>
+          <a:fontRef idx="minor">
+            <a:schemeClr val="tx1"/>
+          </a:fontRef>
+        </p:style>
+      </p:cxnSp>
+      <p:sp>
+        <p:nvSpPr>
+          <p:cNvPr id="105" name="TextBox 104"/>
+          <p:cNvSpPr txBox="1"/>
+          <p:nvPr/>
+        </p:nvSpPr>
+        <p:spPr>
+          <a:xfrm>
+            <a:off x="4437587" y="4366586"/>
+            <a:ext cx="391575" cy="230832"/>
+          </a:xfrm>
+          <a:prstGeom prst="rect">
+            <a:avLst/>
+          </a:prstGeom>
+          <a:noFill/>
+        </p:spPr>
+        <p:txBody>
+          <a:bodyPr wrap="square" rtlCol="0">
+            <a:spAutoFit/>
+          </a:bodyPr>
+          <a:lstStyle/>
+          <a:p>
+            <a:r>
+              <a:rPr lang="en-US" altLang="ko-KR" sz="900" dirty="0" smtClean="0">
+                <a:solidFill>
+                  <a:srgbClr val="FF0000"/>
+                </a:solidFill>
+              </a:rPr>
+              <a:t>No</a:t>
+            </a:r>
+            <a:endParaRPr lang="ko-KR" altLang="en-US" sz="900" dirty="0">
+              <a:solidFill>
+                <a:srgbClr val="FF0000"/>
+              </a:solidFill>
+            </a:endParaRPr>
+          </a:p>
+        </p:txBody>
+      </p:sp>
+      <p:sp>
+        <p:nvSpPr>
+          <p:cNvPr id="107" name="직사각형 106"/>
+          <p:cNvSpPr/>
+          <p:nvPr/>
+        </p:nvSpPr>
+        <p:spPr>
+          <a:xfrm>
+            <a:off x="2801976" y="4859298"/>
+            <a:ext cx="794273" cy="344245"/>
+          </a:xfrm>
+          <a:prstGeom prst="rect">
+            <a:avLst/>
+          </a:prstGeom>
+        </p:spPr>
+        <p:style>
+          <a:lnRef idx="2">
+            <a:schemeClr val="dk1"/>
+          </a:lnRef>
+          <a:fillRef idx="1">
+            <a:schemeClr val="lt1"/>
+          </a:fillRef>
+          <a:effectRef idx="0">
+            <a:schemeClr val="dk1"/>
+          </a:effectRef>
+          <a:fontRef idx="minor">
+            <a:schemeClr val="dk1"/>
+          </a:fontRef>
+        </p:style>
+        <p:txBody>
+          <a:bodyPr rtlCol="0" anchor="ctr"/>
+          <a:lstStyle/>
+          <a:p>
+            <a:pPr algn="ctr"/>
+            <a:r>
+              <a:rPr lang="ko-KR" altLang="en-US" sz="1100" b="1" dirty="0"/>
+              <a:t>맵</a:t>
+            </a:r>
+          </a:p>
+        </p:txBody>
+      </p:sp>
+      <p:cxnSp>
+        <p:nvCxnSpPr>
+          <p:cNvPr id="111" name="직선 화살표 연결선 110"/>
+          <p:cNvCxnSpPr/>
+          <p:nvPr/>
+        </p:nvCxnSpPr>
+        <p:spPr>
+          <a:xfrm>
+            <a:off x="6107109" y="4147585"/>
+            <a:ext cx="453612" cy="0"/>
+          </a:xfrm>
+          <a:prstGeom prst="straightConnector1">
+            <a:avLst/>
+          </a:prstGeom>
+          <a:ln>
+            <a:solidFill>
+              <a:schemeClr val="tx1"/>
+            </a:solidFill>
+            <a:tailEnd type="triangle"/>
+          </a:ln>
+        </p:spPr>
+        <p:style>
+          <a:lnRef idx="1">
+            <a:schemeClr val="accent1"/>
+          </a:lnRef>
+          <a:fillRef idx="0">
+            <a:schemeClr val="accent1"/>
+          </a:fillRef>
+          <a:effectRef idx="0">
+            <a:schemeClr val="accent1"/>
+          </a:effectRef>
+          <a:fontRef idx="minor">
+            <a:schemeClr val="tx1"/>
+          </a:fontRef>
+        </p:style>
+      </p:cxnSp>
+      <p:sp>
+        <p:nvSpPr>
+          <p:cNvPr id="112" name="직사각형 111"/>
+          <p:cNvSpPr/>
+          <p:nvPr/>
+        </p:nvSpPr>
+        <p:spPr>
+          <a:xfrm>
+            <a:off x="6573421" y="3974854"/>
+            <a:ext cx="794273" cy="344245"/>
+          </a:xfrm>
+          <a:prstGeom prst="rect">
+            <a:avLst/>
+          </a:prstGeom>
+        </p:spPr>
+        <p:style>
+          <a:lnRef idx="2">
+            <a:schemeClr val="dk1"/>
+          </a:lnRef>
+          <a:fillRef idx="1">
+            <a:schemeClr val="lt1"/>
+          </a:fillRef>
+          <a:effectRef idx="0">
+            <a:schemeClr val="dk1"/>
+          </a:effectRef>
+          <a:fontRef idx="minor">
+            <a:schemeClr val="dk1"/>
+          </a:fontRef>
+        </p:style>
+        <p:txBody>
+          <a:bodyPr rtlCol="0" anchor="ctr"/>
+          <a:lstStyle/>
+          <a:p>
+            <a:pPr algn="ctr"/>
+            <a:r>
+              <a:rPr lang="ko-KR" altLang="en-US" sz="1100" b="1" dirty="0" smtClean="0"/>
+              <a:t>대결</a:t>
+            </a:r>
+            <a:endParaRPr lang="ko-KR" altLang="en-US" sz="1100" b="1" dirty="0"/>
+          </a:p>
+        </p:txBody>
+      </p:sp>
+      <p:cxnSp>
+        <p:nvCxnSpPr>
+          <p:cNvPr id="113" name="직선 화살표 연결선 112"/>
+          <p:cNvCxnSpPr/>
+          <p:nvPr/>
+        </p:nvCxnSpPr>
+        <p:spPr>
+          <a:xfrm>
+            <a:off x="7367694" y="4147585"/>
+            <a:ext cx="453612" cy="0"/>
+          </a:xfrm>
+          <a:prstGeom prst="straightConnector1">
+            <a:avLst/>
+          </a:prstGeom>
+          <a:ln>
+            <a:solidFill>
+              <a:schemeClr val="accent1"/>
+            </a:solidFill>
+            <a:tailEnd type="triangle"/>
+          </a:ln>
+        </p:spPr>
+        <p:style>
+          <a:lnRef idx="1">
+            <a:schemeClr val="accent1"/>
+          </a:lnRef>
+          <a:fillRef idx="0">
+            <a:schemeClr val="accent1"/>
+          </a:fillRef>
+          <a:effectRef idx="0">
+            <a:schemeClr val="accent1"/>
+          </a:effectRef>
+          <a:fontRef idx="minor">
+            <a:schemeClr val="tx1"/>
+          </a:fontRef>
+        </p:style>
+      </p:cxnSp>
+      <p:sp>
+        <p:nvSpPr>
+          <p:cNvPr id="115" name="TextBox 114"/>
+          <p:cNvSpPr txBox="1"/>
+          <p:nvPr/>
+        </p:nvSpPr>
+        <p:spPr>
+          <a:xfrm>
+            <a:off x="7354994" y="3916145"/>
+            <a:ext cx="398033" cy="230832"/>
+          </a:xfrm>
+          <a:prstGeom prst="rect">
+            <a:avLst/>
+          </a:prstGeom>
+          <a:noFill/>
+        </p:spPr>
+        <p:txBody>
+          <a:bodyPr wrap="square" rtlCol="0">
+            <a:spAutoFit/>
+          </a:bodyPr>
+          <a:lstStyle/>
+          <a:p>
+            <a:r>
+              <a:rPr lang="en-US" altLang="ko-KR" sz="900" dirty="0" smtClean="0">
+                <a:solidFill>
+                  <a:schemeClr val="accent1"/>
+                </a:solidFill>
+              </a:rPr>
+              <a:t>Yes</a:t>
+            </a:r>
+            <a:endParaRPr lang="ko-KR" altLang="en-US" sz="900" dirty="0">
+              <a:solidFill>
+                <a:schemeClr val="accent1"/>
+              </a:solidFill>
+            </a:endParaRPr>
+          </a:p>
+        </p:txBody>
+      </p:sp>
+      <p:sp>
+        <p:nvSpPr>
+          <p:cNvPr id="117" name="직사각형 116"/>
+          <p:cNvSpPr/>
+          <p:nvPr/>
+        </p:nvSpPr>
+        <p:spPr>
+          <a:xfrm>
+            <a:off x="7834006" y="3974853"/>
+            <a:ext cx="794273" cy="344245"/>
+          </a:xfrm>
+          <a:prstGeom prst="rect">
+            <a:avLst/>
+          </a:prstGeom>
+          <a:solidFill>
+            <a:srgbClr val="92D050"/>
+          </a:solidFill>
+        </p:spPr>
+        <p:style>
+          <a:lnRef idx="2">
+            <a:schemeClr val="dk1"/>
+          </a:lnRef>
+          <a:fillRef idx="1">
+            <a:schemeClr val="lt1"/>
+          </a:fillRef>
+          <a:effectRef idx="0">
+            <a:schemeClr val="dk1"/>
+          </a:effectRef>
+          <a:fontRef idx="minor">
+            <a:schemeClr val="dk1"/>
+          </a:fontRef>
+        </p:style>
+        <p:txBody>
+          <a:bodyPr rtlCol="0" anchor="ctr"/>
+          <a:lstStyle/>
+          <a:p>
+            <a:pPr algn="ctr"/>
+            <a:r>
+              <a:rPr lang="ko-KR" altLang="en-US" sz="1100" b="1" dirty="0" smtClean="0"/>
+              <a:t>보상</a:t>
+            </a:r>
+            <a:endParaRPr lang="ko-KR" altLang="en-US" sz="1100" b="1" dirty="0"/>
+          </a:p>
+        </p:txBody>
+      </p:sp>
+      <p:cxnSp>
+        <p:nvCxnSpPr>
+          <p:cNvPr id="118" name="직선 화살표 연결선 117"/>
+          <p:cNvCxnSpPr/>
+          <p:nvPr/>
+        </p:nvCxnSpPr>
+        <p:spPr>
+          <a:xfrm flipH="1">
+            <a:off x="6970556" y="4319100"/>
+            <a:ext cx="1" cy="368076"/>
+          </a:xfrm>
+          <a:prstGeom prst="straightConnector1">
+            <a:avLst/>
+          </a:prstGeom>
+          <a:ln>
+            <a:solidFill>
+              <a:srgbClr val="FF0000"/>
+            </a:solidFill>
+            <a:tailEnd type="triangle"/>
+          </a:ln>
+        </p:spPr>
+        <p:style>
+          <a:lnRef idx="1">
+            <a:schemeClr val="accent1"/>
+          </a:lnRef>
+          <a:fillRef idx="0">
+            <a:schemeClr val="accent1"/>
+          </a:fillRef>
+          <a:effectRef idx="0">
+            <a:schemeClr val="accent1"/>
+          </a:effectRef>
+          <a:fontRef idx="minor">
+            <a:schemeClr val="tx1"/>
+          </a:fontRef>
+        </p:style>
+      </p:cxnSp>
+      <p:sp>
+        <p:nvSpPr>
+          <p:cNvPr id="119" name="TextBox 118"/>
+          <p:cNvSpPr txBox="1"/>
+          <p:nvPr/>
+        </p:nvSpPr>
+        <p:spPr>
+          <a:xfrm>
+            <a:off x="6938019" y="4366586"/>
+            <a:ext cx="391575" cy="230832"/>
+          </a:xfrm>
+          <a:prstGeom prst="rect">
+            <a:avLst/>
+          </a:prstGeom>
+          <a:noFill/>
+        </p:spPr>
+        <p:txBody>
+          <a:bodyPr wrap="square" rtlCol="0">
+            <a:spAutoFit/>
+          </a:bodyPr>
+          <a:lstStyle/>
+          <a:p>
+            <a:r>
+              <a:rPr lang="en-US" altLang="ko-KR" sz="900" dirty="0" smtClean="0">
+                <a:solidFill>
+                  <a:srgbClr val="FF0000"/>
+                </a:solidFill>
+              </a:rPr>
+              <a:t>No</a:t>
+            </a:r>
+            <a:endParaRPr lang="ko-KR" altLang="en-US" sz="900" dirty="0">
+              <a:solidFill>
+                <a:srgbClr val="FF0000"/>
+              </a:solidFill>
+            </a:endParaRPr>
+          </a:p>
+        </p:txBody>
+      </p:sp>
+      <p:sp>
+        <p:nvSpPr>
+          <p:cNvPr id="120" name="직사각형 119"/>
+          <p:cNvSpPr/>
+          <p:nvPr/>
+        </p:nvSpPr>
+        <p:spPr>
+          <a:xfrm>
+            <a:off x="6575983" y="4687176"/>
+            <a:ext cx="794273" cy="344245"/>
+          </a:xfrm>
+          <a:prstGeom prst="rect">
+            <a:avLst/>
+          </a:prstGeom>
+        </p:spPr>
+        <p:style>
+          <a:lnRef idx="2">
+            <a:schemeClr val="dk1"/>
+          </a:lnRef>
+          <a:fillRef idx="1">
+            <a:schemeClr val="lt1"/>
+          </a:fillRef>
+          <a:effectRef idx="0">
+            <a:schemeClr val="dk1"/>
+          </a:effectRef>
+          <a:fontRef idx="minor">
+            <a:schemeClr val="dk1"/>
+          </a:fontRef>
+        </p:style>
+        <p:txBody>
+          <a:bodyPr rtlCol="0" anchor="ctr"/>
+          <a:lstStyle/>
+          <a:p>
+            <a:pPr algn="ctr"/>
+            <a:r>
+              <a:rPr lang="ko-KR" altLang="en-US" sz="1100" b="1" dirty="0" smtClean="0"/>
+              <a:t>게임 오버</a:t>
+            </a:r>
+            <a:endParaRPr lang="ko-KR" altLang="en-US" sz="1100" b="1" dirty="0"/>
+          </a:p>
+        </p:txBody>
+      </p:sp>
+      <p:cxnSp>
+        <p:nvCxnSpPr>
+          <p:cNvPr id="19" name="꺾인 연결선 18"/>
+          <p:cNvCxnSpPr>
+            <a:stCxn id="117" idx="2"/>
+          </p:cNvCxnSpPr>
+          <p:nvPr/>
+        </p:nvCxnSpPr>
+        <p:spPr>
+          <a:xfrm rot="5400000">
+            <a:off x="4965938" y="2552273"/>
+            <a:ext cx="1498381" cy="5032031"/>
+          </a:xfrm>
+          <a:prstGeom prst="bentConnector2">
+            <a:avLst/>
+          </a:prstGeom>
+          <a:ln>
+            <a:solidFill>
+              <a:schemeClr val="tx1"/>
+            </a:solidFill>
+          </a:ln>
+        </p:spPr>
+        <p:style>
+          <a:lnRef idx="1">
+            <a:schemeClr val="accent1"/>
+          </a:lnRef>
+          <a:fillRef idx="0">
+            <a:schemeClr val="accent1"/>
+          </a:fillRef>
+          <a:effectRef idx="0">
+            <a:schemeClr val="accent1"/>
+          </a:effectRef>
+          <a:fontRef idx="minor">
+            <a:schemeClr val="tx1"/>
+          </a:fontRef>
+        </p:style>
+      </p:cxnSp>
+      <p:cxnSp>
+        <p:nvCxnSpPr>
+          <p:cNvPr id="123" name="직선 화살표 연결선 122"/>
+          <p:cNvCxnSpPr>
+            <a:endCxn id="107" idx="2"/>
+          </p:cNvCxnSpPr>
+          <p:nvPr/>
+        </p:nvCxnSpPr>
+        <p:spPr>
+          <a:xfrm flipV="1">
+            <a:off x="3199112" y="5203543"/>
+            <a:ext cx="1" cy="613936"/>
+          </a:xfrm>
+          <a:prstGeom prst="straightConnector1">
+            <a:avLst/>
+          </a:prstGeom>
+          <a:ln>
+            <a:solidFill>
+              <a:schemeClr val="tx1"/>
+            </a:solidFill>
+            <a:tailEnd type="triangle"/>
+          </a:ln>
+        </p:spPr>
+        <p:style>
+          <a:lnRef idx="1">
+            <a:schemeClr val="accent1"/>
+          </a:lnRef>
+          <a:fillRef idx="0">
+            <a:schemeClr val="accent1"/>
+          </a:fillRef>
+          <a:effectRef idx="0">
+            <a:schemeClr val="accent1"/>
+          </a:effectRef>
+          <a:fontRef idx="minor">
+            <a:schemeClr val="tx1"/>
+          </a:fontRef>
+        </p:style>
+      </p:cxnSp>
+      <p:cxnSp>
+        <p:nvCxnSpPr>
+          <p:cNvPr id="26" name="직선 연결선 25"/>
+          <p:cNvCxnSpPr/>
+          <p:nvPr/>
+        </p:nvCxnSpPr>
+        <p:spPr>
+          <a:xfrm>
+            <a:off x="4437587" y="4319097"/>
+            <a:ext cx="0" cy="712323"/>
+          </a:xfrm>
+          <a:prstGeom prst="line">
+            <a:avLst/>
+          </a:prstGeom>
+          <a:ln>
+            <a:solidFill>
+              <a:srgbClr val="FF0000"/>
+            </a:solidFill>
+          </a:ln>
+        </p:spPr>
+        <p:style>
+          <a:lnRef idx="1">
+            <a:schemeClr val="accent1"/>
+          </a:lnRef>
+          <a:fillRef idx="0">
+            <a:schemeClr val="accent1"/>
+          </a:fillRef>
+          <a:effectRef idx="0">
+            <a:schemeClr val="accent1"/>
+          </a:effectRef>
+          <a:fontRef idx="minor">
+            <a:schemeClr val="tx1"/>
+          </a:fontRef>
+        </p:style>
+      </p:cxnSp>
+      <p:cxnSp>
+        <p:nvCxnSpPr>
+          <p:cNvPr id="125" name="직선 화살표 연결선 124"/>
+          <p:cNvCxnSpPr/>
+          <p:nvPr/>
+        </p:nvCxnSpPr>
+        <p:spPr>
+          <a:xfrm>
+            <a:off x="3596250" y="4146975"/>
+            <a:ext cx="453612" cy="0"/>
+          </a:xfrm>
+          <a:prstGeom prst="straightConnector1">
+            <a:avLst/>
+          </a:prstGeom>
+          <a:ln>
+            <a:solidFill>
+              <a:schemeClr val="accent1"/>
+            </a:solidFill>
+            <a:tailEnd type="triangle"/>
+          </a:ln>
+        </p:spPr>
+        <p:style>
+          <a:lnRef idx="1">
+            <a:schemeClr val="accent1"/>
+          </a:lnRef>
+          <a:fillRef idx="0">
+            <a:schemeClr val="accent1"/>
+          </a:fillRef>
+          <a:effectRef idx="0">
+            <a:schemeClr val="accent1"/>
+          </a:effectRef>
+          <a:fontRef idx="minor">
+            <a:schemeClr val="tx1"/>
+          </a:fontRef>
+        </p:style>
+      </p:cxnSp>
+      <p:sp>
+        <p:nvSpPr>
+          <p:cNvPr id="127" name="TextBox 126"/>
+          <p:cNvSpPr txBox="1"/>
+          <p:nvPr/>
+        </p:nvSpPr>
+        <p:spPr>
+          <a:xfrm>
+            <a:off x="3627121" y="3930788"/>
+            <a:ext cx="398033" cy="230832"/>
+          </a:xfrm>
+          <a:prstGeom prst="rect">
+            <a:avLst/>
+          </a:prstGeom>
+          <a:noFill/>
+        </p:spPr>
+        <p:txBody>
+          <a:bodyPr wrap="square" rtlCol="0">
+            <a:spAutoFit/>
+          </a:bodyPr>
+          <a:lstStyle/>
+          <a:p>
+            <a:r>
+              <a:rPr lang="en-US" altLang="ko-KR" sz="900" dirty="0" smtClean="0">
+                <a:solidFill>
+                  <a:schemeClr val="accent1"/>
+                </a:solidFill>
+              </a:rPr>
+              <a:t>Yes</a:t>
+            </a:r>
+            <a:endParaRPr lang="ko-KR" altLang="en-US" sz="900" dirty="0">
+              <a:solidFill>
+                <a:schemeClr val="accent1"/>
+              </a:solidFill>
+            </a:endParaRPr>
+          </a:p>
+        </p:txBody>
+      </p:sp>
+      <p:cxnSp>
+        <p:nvCxnSpPr>
+          <p:cNvPr id="129" name="직선 화살표 연결선 128"/>
+          <p:cNvCxnSpPr>
+            <a:endCxn id="27" idx="2"/>
+          </p:cNvCxnSpPr>
+          <p:nvPr/>
+        </p:nvCxnSpPr>
+        <p:spPr>
+          <a:xfrm flipH="1" flipV="1">
+            <a:off x="3199114" y="4319101"/>
+            <a:ext cx="5048" cy="526367"/>
+          </a:xfrm>
+          <a:prstGeom prst="straightConnector1">
+            <a:avLst/>
+          </a:prstGeom>
+          <a:ln>
+            <a:solidFill>
+              <a:schemeClr val="tx1"/>
+            </a:solidFill>
+            <a:tailEnd type="triangle"/>
+          </a:ln>
+        </p:spPr>
+        <p:style>
+          <a:lnRef idx="1">
+            <a:schemeClr val="accent1"/>
+          </a:lnRef>
+          <a:fillRef idx="0">
+            <a:schemeClr val="accent1"/>
+          </a:fillRef>
+          <a:effectRef idx="0">
+            <a:schemeClr val="accent1"/>
+          </a:effectRef>
+          <a:fontRef idx="minor">
+            <a:schemeClr val="tx1"/>
+          </a:fontRef>
+        </p:style>
+      </p:cxnSp>
+      <p:sp>
+        <p:nvSpPr>
+          <p:cNvPr id="128" name="직사각형 127"/>
+          <p:cNvSpPr/>
+          <p:nvPr/>
+        </p:nvSpPr>
+        <p:spPr>
+          <a:xfrm>
+            <a:off x="2801975" y="3119831"/>
+            <a:ext cx="794273" cy="344245"/>
+          </a:xfrm>
+          <a:prstGeom prst="rect">
+            <a:avLst/>
+          </a:prstGeom>
+          <a:solidFill>
+            <a:schemeClr val="accent4">
+              <a:lumMod val="40000"/>
+              <a:lumOff val="60000"/>
+            </a:schemeClr>
+          </a:solidFill>
+        </p:spPr>
+        <p:style>
+          <a:lnRef idx="2">
+            <a:schemeClr val="accent6">
+              <a:shade val="50000"/>
+            </a:schemeClr>
+          </a:lnRef>
+          <a:fillRef idx="1">
+            <a:schemeClr val="accent6"/>
+          </a:fillRef>
+          <a:effectRef idx="0">
+            <a:schemeClr val="accent6"/>
+          </a:effectRef>
+          <a:fontRef idx="minor">
+            <a:schemeClr val="lt1"/>
+          </a:fontRef>
+        </p:style>
+        <p:txBody>
+          <a:bodyPr rtlCol="0" anchor="ctr"/>
+          <a:lstStyle/>
+          <a:p>
+            <a:pPr algn="ctr"/>
+            <a:r>
+              <a:rPr lang="ko-KR" altLang="en-US" sz="1200" b="1" dirty="0" smtClean="0">
+                <a:solidFill>
+                  <a:schemeClr val="tx1"/>
+                </a:solidFill>
+              </a:rPr>
+              <a:t>대화</a:t>
+            </a:r>
+            <a:endParaRPr lang="ko-KR" altLang="en-US" sz="1200" b="1" dirty="0">
+              <a:solidFill>
+                <a:schemeClr val="tx1"/>
+              </a:solidFill>
+            </a:endParaRPr>
+          </a:p>
+        </p:txBody>
+      </p:sp>
+      <p:sp>
+        <p:nvSpPr>
+          <p:cNvPr id="132" name="직사각형 131"/>
+          <p:cNvSpPr/>
+          <p:nvPr/>
+        </p:nvSpPr>
+        <p:spPr>
+          <a:xfrm>
+            <a:off x="4057067" y="3119874"/>
+            <a:ext cx="794273" cy="344245"/>
+          </a:xfrm>
+          <a:prstGeom prst="rect">
+            <a:avLst/>
+          </a:prstGeom>
+        </p:spPr>
+        <p:style>
+          <a:lnRef idx="2">
+            <a:schemeClr val="dk1"/>
+          </a:lnRef>
+          <a:fillRef idx="1">
+            <a:schemeClr val="lt1"/>
+          </a:fillRef>
+          <a:effectRef idx="0">
+            <a:schemeClr val="dk1"/>
+          </a:effectRef>
+          <a:fontRef idx="minor">
+            <a:schemeClr val="dk1"/>
+          </a:fontRef>
+        </p:style>
+        <p:txBody>
+          <a:bodyPr rtlCol="0" anchor="ctr"/>
+          <a:lstStyle/>
+          <a:p>
+            <a:pPr algn="ctr"/>
+            <a:r>
+              <a:rPr lang="ko-KR" altLang="en-US" sz="1100" b="1" dirty="0" smtClean="0"/>
+              <a:t>대화 씬</a:t>
+            </a:r>
+            <a:endParaRPr lang="ko-KR" altLang="en-US" sz="1100" b="1" dirty="0"/>
+          </a:p>
+        </p:txBody>
+      </p:sp>
+      <p:cxnSp>
+        <p:nvCxnSpPr>
+          <p:cNvPr id="133" name="직선 화살표 연결선 132"/>
+          <p:cNvCxnSpPr/>
+          <p:nvPr/>
+        </p:nvCxnSpPr>
+        <p:spPr>
+          <a:xfrm>
+            <a:off x="3599211" y="3280123"/>
+            <a:ext cx="453612" cy="0"/>
+          </a:xfrm>
+          <a:prstGeom prst="straightConnector1">
+            <a:avLst/>
+          </a:prstGeom>
+          <a:ln>
+            <a:solidFill>
+              <a:schemeClr val="tx1"/>
+            </a:solidFill>
+            <a:tailEnd type="triangle"/>
+          </a:ln>
+        </p:spPr>
+        <p:style>
+          <a:lnRef idx="1">
+            <a:schemeClr val="accent1"/>
+          </a:lnRef>
+          <a:fillRef idx="0">
+            <a:schemeClr val="accent1"/>
+          </a:fillRef>
+          <a:effectRef idx="0">
+            <a:schemeClr val="accent1"/>
+          </a:effectRef>
+          <a:fontRef idx="minor">
+            <a:schemeClr val="tx1"/>
+          </a:fontRef>
+        </p:style>
+      </p:cxnSp>
+      <p:cxnSp>
+        <p:nvCxnSpPr>
+          <p:cNvPr id="136" name="직선 연결선 135"/>
+          <p:cNvCxnSpPr/>
+          <p:nvPr/>
+        </p:nvCxnSpPr>
+        <p:spPr>
+          <a:xfrm>
+            <a:off x="4454203" y="2641179"/>
+            <a:ext cx="0" cy="478652"/>
+          </a:xfrm>
+          <a:prstGeom prst="line">
+            <a:avLst/>
+          </a:prstGeom>
+          <a:ln>
+            <a:solidFill>
+              <a:srgbClr val="FF0000"/>
+            </a:solidFill>
+          </a:ln>
+        </p:spPr>
+        <p:style>
+          <a:lnRef idx="1">
+            <a:schemeClr val="accent1"/>
+          </a:lnRef>
+          <a:fillRef idx="0">
+            <a:schemeClr val="accent1"/>
+          </a:fillRef>
+          <a:effectRef idx="0">
+            <a:schemeClr val="accent1"/>
+          </a:effectRef>
+          <a:fontRef idx="minor">
+            <a:schemeClr val="tx1"/>
+          </a:fontRef>
+        </p:style>
+      </p:cxnSp>
+      <p:cxnSp>
+        <p:nvCxnSpPr>
+          <p:cNvPr id="139" name="직선 연결선 138"/>
+          <p:cNvCxnSpPr/>
+          <p:nvPr/>
+        </p:nvCxnSpPr>
+        <p:spPr>
+          <a:xfrm flipH="1">
+            <a:off x="1931265" y="2641179"/>
+            <a:ext cx="2522938" cy="0"/>
+          </a:xfrm>
+          <a:prstGeom prst="line">
+            <a:avLst/>
+          </a:prstGeom>
+          <a:ln>
+            <a:solidFill>
+              <a:srgbClr val="FF0000"/>
+            </a:solidFill>
+          </a:ln>
+        </p:spPr>
+        <p:style>
+          <a:lnRef idx="1">
+            <a:schemeClr val="accent1"/>
+          </a:lnRef>
+          <a:fillRef idx="0">
+            <a:schemeClr val="accent1"/>
+          </a:fillRef>
+          <a:effectRef idx="0">
+            <a:schemeClr val="accent1"/>
+          </a:effectRef>
+          <a:fontRef idx="minor">
+            <a:schemeClr val="tx1"/>
+          </a:fontRef>
+        </p:style>
+      </p:cxnSp>
+      <p:cxnSp>
+        <p:nvCxnSpPr>
+          <p:cNvPr id="142" name="직선 화살표 연결선 141"/>
+          <p:cNvCxnSpPr>
+            <a:endCxn id="27" idx="1"/>
+          </p:cNvCxnSpPr>
+          <p:nvPr/>
+        </p:nvCxnSpPr>
+        <p:spPr>
+          <a:xfrm>
+            <a:off x="1931264" y="4146975"/>
+            <a:ext cx="870713" cy="4"/>
+          </a:xfrm>
+          <a:prstGeom prst="straightConnector1">
+            <a:avLst/>
+          </a:prstGeom>
+          <a:ln>
+            <a:solidFill>
+              <a:srgbClr val="FF0000"/>
+            </a:solidFill>
+            <a:tailEnd type="triangle"/>
+          </a:ln>
+        </p:spPr>
+        <p:style>
+          <a:lnRef idx="1">
+            <a:schemeClr val="accent1"/>
+          </a:lnRef>
+          <a:fillRef idx="0">
+            <a:schemeClr val="accent1"/>
+          </a:fillRef>
+          <a:effectRef idx="0">
+            <a:schemeClr val="accent1"/>
+          </a:effectRef>
+          <a:fontRef idx="minor">
+            <a:schemeClr val="tx1"/>
+          </a:fontRef>
+        </p:style>
+      </p:cxnSp>
+      <p:sp>
+        <p:nvSpPr>
+          <p:cNvPr id="146" name="TextBox 145"/>
+          <p:cNvSpPr txBox="1"/>
+          <p:nvPr/>
+        </p:nvSpPr>
+        <p:spPr>
+          <a:xfrm>
+            <a:off x="4076087" y="2665716"/>
+            <a:ext cx="428279" cy="230832"/>
+          </a:xfrm>
+          <a:prstGeom prst="rect">
+            <a:avLst/>
+          </a:prstGeom>
+          <a:noFill/>
+        </p:spPr>
+        <p:txBody>
+          <a:bodyPr wrap="square" rtlCol="0">
+            <a:spAutoFit/>
+          </a:bodyPr>
+          <a:lstStyle/>
+          <a:p>
+            <a:r>
+              <a:rPr lang="en-US" altLang="ko-KR" sz="900" dirty="0" smtClean="0">
+                <a:solidFill>
+                  <a:srgbClr val="FF0000"/>
+                </a:solidFill>
+              </a:rPr>
+              <a:t>Skip</a:t>
+            </a:r>
+            <a:endParaRPr lang="ko-KR" altLang="en-US" sz="900" dirty="0">
+              <a:solidFill>
+                <a:srgbClr val="FF0000"/>
+              </a:solidFill>
+            </a:endParaRPr>
+          </a:p>
+        </p:txBody>
+      </p:sp>
+      <p:sp>
+        <p:nvSpPr>
+          <p:cNvPr id="155" name="직사각형 154"/>
+          <p:cNvSpPr/>
+          <p:nvPr/>
+        </p:nvSpPr>
+        <p:spPr>
+          <a:xfrm>
+            <a:off x="5307108" y="3440537"/>
+            <a:ext cx="794273" cy="344245"/>
+          </a:xfrm>
+          <a:prstGeom prst="rect">
+            <a:avLst/>
+          </a:prstGeom>
+        </p:spPr>
+        <p:style>
+          <a:lnRef idx="2">
+            <a:schemeClr val="dk1"/>
+          </a:lnRef>
+          <a:fillRef idx="1">
+            <a:schemeClr val="lt1"/>
+          </a:fillRef>
+          <a:effectRef idx="0">
+            <a:schemeClr val="dk1"/>
+          </a:effectRef>
+          <a:fontRef idx="minor">
+            <a:schemeClr val="dk1"/>
+          </a:fontRef>
+        </p:style>
+        <p:txBody>
+          <a:bodyPr rtlCol="0" anchor="ctr"/>
+          <a:lstStyle/>
+          <a:p>
+            <a:pPr algn="ctr"/>
+            <a:r>
+              <a:rPr lang="ko-KR" altLang="en-US" sz="1100" b="1" dirty="0" err="1" smtClean="0"/>
+              <a:t>로그창</a:t>
+            </a:r>
+            <a:endParaRPr lang="ko-KR" altLang="en-US" sz="1100" b="1" dirty="0"/>
+          </a:p>
+        </p:txBody>
+      </p:sp>
+      <p:sp>
+        <p:nvSpPr>
+          <p:cNvPr id="163" name="TextBox 162"/>
+          <p:cNvSpPr txBox="1"/>
+          <p:nvPr/>
+        </p:nvSpPr>
+        <p:spPr>
+          <a:xfrm>
+            <a:off x="4680067" y="3558251"/>
+            <a:ext cx="428279" cy="230832"/>
+          </a:xfrm>
+          <a:prstGeom prst="rect">
+            <a:avLst/>
+          </a:prstGeom>
+          <a:noFill/>
+          <a:ln>
+            <a:noFill/>
+          </a:ln>
+        </p:spPr>
+        <p:txBody>
+          <a:bodyPr wrap="square" rtlCol="0">
+            <a:spAutoFit/>
+          </a:bodyPr>
+          <a:lstStyle/>
+          <a:p>
+            <a:r>
+              <a:rPr lang="en-US" altLang="ko-KR" sz="900" dirty="0" smtClean="0">
+                <a:solidFill>
+                  <a:schemeClr val="accent1"/>
+                </a:solidFill>
+              </a:rPr>
+              <a:t>Log</a:t>
+            </a:r>
+            <a:endParaRPr lang="ko-KR" altLang="en-US" sz="900" dirty="0">
+              <a:solidFill>
+                <a:schemeClr val="accent1"/>
+              </a:solidFill>
+            </a:endParaRPr>
+          </a:p>
+        </p:txBody>
+      </p:sp>
+      <p:cxnSp>
+        <p:nvCxnSpPr>
+          <p:cNvPr id="173" name="직선 화살표 연결선 172"/>
+          <p:cNvCxnSpPr/>
+          <p:nvPr/>
+        </p:nvCxnSpPr>
+        <p:spPr>
+          <a:xfrm flipH="1" flipV="1">
+            <a:off x="3199114" y="3460596"/>
+            <a:ext cx="5048" cy="526367"/>
+          </a:xfrm>
+          <a:prstGeom prst="straightConnector1">
+            <a:avLst/>
+          </a:prstGeom>
+          <a:ln>
+            <a:solidFill>
+              <a:schemeClr val="tx1"/>
+            </a:solidFill>
+            <a:tailEnd type="triangle"/>
+          </a:ln>
+        </p:spPr>
+        <p:style>
+          <a:lnRef idx="1">
+            <a:schemeClr val="accent1"/>
+          </a:lnRef>
+          <a:fillRef idx="0">
+            <a:schemeClr val="accent1"/>
+          </a:fillRef>
+          <a:effectRef idx="0">
+            <a:schemeClr val="accent1"/>
+          </a:effectRef>
+          <a:fontRef idx="minor">
+            <a:schemeClr val="tx1"/>
+          </a:fontRef>
+        </p:style>
+      </p:cxnSp>
+      <p:cxnSp>
+        <p:nvCxnSpPr>
+          <p:cNvPr id="175" name="직선 연결선 174"/>
+          <p:cNvCxnSpPr/>
+          <p:nvPr/>
+        </p:nvCxnSpPr>
+        <p:spPr>
+          <a:xfrm>
+            <a:off x="1927307" y="2641737"/>
+            <a:ext cx="0" cy="1505238"/>
+          </a:xfrm>
+          <a:prstGeom prst="line">
+            <a:avLst/>
+          </a:prstGeom>
+          <a:ln>
+            <a:solidFill>
+              <a:srgbClr val="FF0000"/>
+            </a:solidFill>
+          </a:ln>
+        </p:spPr>
+        <p:style>
+          <a:lnRef idx="1">
+            <a:schemeClr val="accent1"/>
+          </a:lnRef>
+          <a:fillRef idx="0">
+            <a:schemeClr val="accent1"/>
+          </a:fillRef>
+          <a:effectRef idx="0">
+            <a:schemeClr val="accent1"/>
+          </a:effectRef>
+          <a:fontRef idx="minor">
+            <a:schemeClr val="tx1"/>
+          </a:fontRef>
+        </p:style>
+      </p:cxnSp>
+      <p:cxnSp>
+        <p:nvCxnSpPr>
+          <p:cNvPr id="140" name="꺾인 연결선 139"/>
+          <p:cNvCxnSpPr>
+            <a:stCxn id="132" idx="2"/>
+            <a:endCxn id="155" idx="1"/>
+          </p:cNvCxnSpPr>
+          <p:nvPr/>
+        </p:nvCxnSpPr>
+        <p:spPr>
+          <a:xfrm rot="16200000" flipH="1">
+            <a:off x="4806386" y="3111937"/>
+            <a:ext cx="148541" cy="852904"/>
+          </a:xfrm>
+          <a:prstGeom prst="bentConnector2">
+            <a:avLst/>
+          </a:prstGeom>
+          <a:ln>
+            <a:tailEnd type="triangle"/>
+          </a:ln>
+        </p:spPr>
+        <p:style>
+          <a:lnRef idx="1">
+            <a:schemeClr val="accent1"/>
+          </a:lnRef>
+          <a:fillRef idx="0">
+            <a:schemeClr val="accent1"/>
+          </a:fillRef>
+          <a:effectRef idx="0">
+            <a:schemeClr val="accent1"/>
+          </a:effectRef>
+          <a:fontRef idx="minor">
+            <a:schemeClr val="tx1"/>
+          </a:fontRef>
+        </p:style>
+      </p:cxnSp>
+      <p:cxnSp>
+        <p:nvCxnSpPr>
+          <p:cNvPr id="157" name="꺾인 연결선 156"/>
+          <p:cNvCxnSpPr>
+            <a:stCxn id="132" idx="3"/>
+          </p:cNvCxnSpPr>
+          <p:nvPr/>
+        </p:nvCxnSpPr>
+        <p:spPr>
+          <a:xfrm flipH="1" flipV="1">
+            <a:off x="1739900" y="2298700"/>
+            <a:ext cx="3111440" cy="993297"/>
+          </a:xfrm>
+          <a:prstGeom prst="bentConnector3">
+            <a:avLst>
+              <a:gd name="adj1" fmla="val -7347"/>
+            </a:avLst>
+          </a:prstGeom>
+          <a:ln>
+            <a:solidFill>
+              <a:schemeClr val="tx1"/>
+            </a:solidFill>
+          </a:ln>
+        </p:spPr>
+        <p:style>
+          <a:lnRef idx="1">
+            <a:schemeClr val="accent1"/>
+          </a:lnRef>
+          <a:fillRef idx="0">
+            <a:schemeClr val="accent1"/>
+          </a:fillRef>
+          <a:effectRef idx="0">
+            <a:schemeClr val="accent1"/>
+          </a:effectRef>
+          <a:fontRef idx="minor">
+            <a:schemeClr val="tx1"/>
+          </a:fontRef>
+        </p:style>
+      </p:cxnSp>
+      <p:cxnSp>
+        <p:nvCxnSpPr>
+          <p:cNvPr id="160" name="직선 연결선 159"/>
+          <p:cNvCxnSpPr/>
+          <p:nvPr/>
+        </p:nvCxnSpPr>
+        <p:spPr>
+          <a:xfrm flipH="1">
+            <a:off x="1723953" y="2298700"/>
+            <a:ext cx="13558" cy="2020397"/>
+          </a:xfrm>
+          <a:prstGeom prst="line">
+            <a:avLst/>
+          </a:prstGeom>
+          <a:ln>
+            <a:solidFill>
+              <a:schemeClr val="tx1"/>
+            </a:solidFill>
+          </a:ln>
+        </p:spPr>
+        <p:style>
+          <a:lnRef idx="1">
+            <a:schemeClr val="accent1"/>
+          </a:lnRef>
+          <a:fillRef idx="0">
+            <a:schemeClr val="accent1"/>
+          </a:fillRef>
+          <a:effectRef idx="0">
+            <a:schemeClr val="accent1"/>
+          </a:effectRef>
+          <a:fontRef idx="minor">
+            <a:schemeClr val="tx1"/>
+          </a:fontRef>
+        </p:style>
+      </p:cxnSp>
+      <p:cxnSp>
+        <p:nvCxnSpPr>
+          <p:cNvPr id="165" name="직선 화살표 연결선 164"/>
+          <p:cNvCxnSpPr/>
+          <p:nvPr/>
+        </p:nvCxnSpPr>
+        <p:spPr>
+          <a:xfrm>
+            <a:off x="1719796" y="4319097"/>
+            <a:ext cx="1082968" cy="0"/>
+          </a:xfrm>
+          <a:prstGeom prst="straightConnector1">
+            <a:avLst/>
+          </a:prstGeom>
+          <a:ln>
+            <a:solidFill>
+              <a:schemeClr val="tx1"/>
+            </a:solidFill>
+            <a:tailEnd type="triangle"/>
+          </a:ln>
+        </p:spPr>
+        <p:style>
+          <a:lnRef idx="1">
+            <a:schemeClr val="accent1"/>
+          </a:lnRef>
+          <a:fillRef idx="0">
+            <a:schemeClr val="accent1"/>
+          </a:fillRef>
+          <a:effectRef idx="0">
+            <a:schemeClr val="accent1"/>
+          </a:effectRef>
+          <a:fontRef idx="minor">
+            <a:schemeClr val="tx1"/>
+          </a:fontRef>
+        </p:style>
+      </p:cxnSp>
+      <p:sp>
+        <p:nvSpPr>
+          <p:cNvPr id="196" name="직사각형 195"/>
+          <p:cNvSpPr/>
+          <p:nvPr/>
+        </p:nvSpPr>
+        <p:spPr>
+          <a:xfrm>
+            <a:off x="2795597" y="1785128"/>
+            <a:ext cx="794273" cy="344245"/>
+          </a:xfrm>
+          <a:prstGeom prst="rect">
+            <a:avLst/>
+          </a:prstGeom>
+          <a:solidFill>
+            <a:schemeClr val="accent4">
+              <a:lumMod val="40000"/>
+              <a:lumOff val="60000"/>
+            </a:schemeClr>
+          </a:solidFill>
+        </p:spPr>
+        <p:style>
+          <a:lnRef idx="2">
+            <a:schemeClr val="accent6">
+              <a:shade val="50000"/>
+            </a:schemeClr>
+          </a:lnRef>
+          <a:fillRef idx="1">
+            <a:schemeClr val="accent6"/>
+          </a:fillRef>
+          <a:effectRef idx="0">
+            <a:schemeClr val="accent6"/>
+          </a:effectRef>
+          <a:fontRef idx="minor">
+            <a:schemeClr val="lt1"/>
+          </a:fontRef>
+        </p:style>
+        <p:txBody>
+          <a:bodyPr rtlCol="0" anchor="ctr"/>
+          <a:lstStyle/>
+          <a:p>
+            <a:pPr algn="ctr"/>
+            <a:r>
+              <a:rPr lang="ko-KR" altLang="en-US" sz="1200" b="1" dirty="0" smtClean="0">
+                <a:solidFill>
+                  <a:schemeClr val="tx1"/>
+                </a:solidFill>
+              </a:rPr>
+              <a:t>추리</a:t>
+            </a:r>
+            <a:endParaRPr lang="ko-KR" altLang="en-US" sz="1200" b="1" dirty="0">
+              <a:solidFill>
+                <a:schemeClr val="tx1"/>
+              </a:solidFill>
+            </a:endParaRPr>
+          </a:p>
+        </p:txBody>
+      </p:sp>
+      <p:cxnSp>
+        <p:nvCxnSpPr>
+          <p:cNvPr id="197" name="직선 화살표 연결선 196"/>
+          <p:cNvCxnSpPr>
+            <a:stCxn id="128" idx="0"/>
+          </p:cNvCxnSpPr>
+          <p:nvPr/>
+        </p:nvCxnSpPr>
+        <p:spPr>
+          <a:xfrm flipV="1">
+            <a:off x="3199112" y="2141522"/>
+            <a:ext cx="5050" cy="978309"/>
+          </a:xfrm>
+          <a:prstGeom prst="straightConnector1">
+            <a:avLst/>
+          </a:prstGeom>
+          <a:ln>
+            <a:solidFill>
+              <a:schemeClr val="tx1"/>
+            </a:solidFill>
+            <a:tailEnd type="triangle"/>
+          </a:ln>
+        </p:spPr>
+        <p:style>
+          <a:lnRef idx="1">
+            <a:schemeClr val="accent1"/>
+          </a:lnRef>
+          <a:fillRef idx="0">
+            <a:schemeClr val="accent1"/>
+          </a:fillRef>
+          <a:effectRef idx="0">
+            <a:schemeClr val="accent1"/>
+          </a:effectRef>
+          <a:fontRef idx="minor">
+            <a:schemeClr val="tx1"/>
+          </a:fontRef>
+        </p:style>
+      </p:cxnSp>
+      <p:sp>
+        <p:nvSpPr>
+          <p:cNvPr id="199" name="직사각형 198"/>
+          <p:cNvSpPr/>
+          <p:nvPr/>
+        </p:nvSpPr>
+        <p:spPr>
+          <a:xfrm>
+            <a:off x="4057067" y="1796338"/>
+            <a:ext cx="794273" cy="344245"/>
+          </a:xfrm>
+          <a:prstGeom prst="rect">
+            <a:avLst/>
+          </a:prstGeom>
+        </p:spPr>
+        <p:style>
+          <a:lnRef idx="2">
+            <a:schemeClr val="dk1"/>
+          </a:lnRef>
+          <a:fillRef idx="1">
+            <a:schemeClr val="lt1"/>
+          </a:fillRef>
+          <a:effectRef idx="0">
+            <a:schemeClr val="dk1"/>
+          </a:effectRef>
+          <a:fontRef idx="minor">
+            <a:schemeClr val="dk1"/>
+          </a:fontRef>
+        </p:style>
+        <p:txBody>
+          <a:bodyPr rtlCol="0" anchor="ctr"/>
+          <a:lstStyle/>
+          <a:p>
+            <a:pPr algn="ctr"/>
+            <a:r>
+              <a:rPr lang="ko-KR" altLang="en-US" sz="1100" b="1" smtClean="0"/>
+              <a:t>추리 씬</a:t>
+            </a:r>
+            <a:endParaRPr lang="ko-KR" altLang="en-US" sz="1100" b="1" dirty="0"/>
+          </a:p>
+        </p:txBody>
+      </p:sp>
+      <p:cxnSp>
+        <p:nvCxnSpPr>
+          <p:cNvPr id="200" name="직선 화살표 연결선 199"/>
+          <p:cNvCxnSpPr/>
+          <p:nvPr/>
+        </p:nvCxnSpPr>
+        <p:spPr>
+          <a:xfrm>
+            <a:off x="3596248" y="1957250"/>
+            <a:ext cx="453612" cy="0"/>
+          </a:xfrm>
+          <a:prstGeom prst="straightConnector1">
+            <a:avLst/>
+          </a:prstGeom>
+          <a:ln>
+            <a:solidFill>
+              <a:schemeClr val="tx1"/>
+            </a:solidFill>
+            <a:tailEnd type="triangle"/>
+          </a:ln>
+        </p:spPr>
+        <p:style>
+          <a:lnRef idx="1">
+            <a:schemeClr val="accent1"/>
+          </a:lnRef>
+          <a:fillRef idx="0">
+            <a:schemeClr val="accent1"/>
+          </a:fillRef>
+          <a:effectRef idx="0">
+            <a:schemeClr val="accent1"/>
+          </a:effectRef>
+          <a:fontRef idx="minor">
+            <a:schemeClr val="tx1"/>
+          </a:fontRef>
+        </p:style>
+      </p:cxnSp>
+      <p:sp>
+        <p:nvSpPr>
+          <p:cNvPr id="204" name="직사각형 203"/>
+          <p:cNvSpPr/>
+          <p:nvPr/>
+        </p:nvSpPr>
+        <p:spPr>
+          <a:xfrm>
+            <a:off x="5314315" y="1796338"/>
+            <a:ext cx="794273" cy="344245"/>
+          </a:xfrm>
+          <a:prstGeom prst="rect">
+            <a:avLst/>
+          </a:prstGeom>
+        </p:spPr>
+        <p:style>
+          <a:lnRef idx="2">
+            <a:schemeClr val="dk1"/>
+          </a:lnRef>
+          <a:fillRef idx="1">
+            <a:schemeClr val="lt1"/>
+          </a:fillRef>
+          <a:effectRef idx="0">
+            <a:schemeClr val="dk1"/>
+          </a:effectRef>
+          <a:fontRef idx="minor">
+            <a:schemeClr val="dk1"/>
+          </a:fontRef>
+        </p:style>
+        <p:txBody>
+          <a:bodyPr rtlCol="0" anchor="ctr"/>
+          <a:lstStyle/>
+          <a:p>
+            <a:pPr algn="ctr"/>
+            <a:r>
+              <a:rPr lang="ko-KR" altLang="en-US" sz="1100" b="1" dirty="0" smtClean="0"/>
+              <a:t>증거 선택</a:t>
+            </a:r>
+            <a:endParaRPr lang="ko-KR" altLang="en-US" sz="1100" b="1" dirty="0"/>
+          </a:p>
+        </p:txBody>
+      </p:sp>
+      <p:cxnSp>
+        <p:nvCxnSpPr>
+          <p:cNvPr id="206" name="직선 화살표 연결선 205"/>
+          <p:cNvCxnSpPr/>
+          <p:nvPr/>
+        </p:nvCxnSpPr>
+        <p:spPr>
+          <a:xfrm>
+            <a:off x="4853496" y="1957250"/>
+            <a:ext cx="453612" cy="0"/>
+          </a:xfrm>
+          <a:prstGeom prst="straightConnector1">
+            <a:avLst/>
+          </a:prstGeom>
+          <a:ln>
+            <a:solidFill>
+              <a:schemeClr val="tx1"/>
+            </a:solidFill>
+            <a:tailEnd type="triangle"/>
+          </a:ln>
+        </p:spPr>
+        <p:style>
+          <a:lnRef idx="1">
+            <a:schemeClr val="accent1"/>
+          </a:lnRef>
+          <a:fillRef idx="0">
+            <a:schemeClr val="accent1"/>
+          </a:fillRef>
+          <a:effectRef idx="0">
+            <a:schemeClr val="accent1"/>
+          </a:effectRef>
+          <a:fontRef idx="minor">
+            <a:schemeClr val="tx1"/>
+          </a:fontRef>
+        </p:style>
+      </p:cxnSp>
+      <p:sp>
+        <p:nvSpPr>
+          <p:cNvPr id="208" name="TextBox 207"/>
+          <p:cNvSpPr txBox="1"/>
+          <p:nvPr/>
+        </p:nvSpPr>
+        <p:spPr>
+          <a:xfrm>
+            <a:off x="7391423" y="1737628"/>
+            <a:ext cx="398033" cy="230832"/>
+          </a:xfrm>
+          <a:prstGeom prst="rect">
+            <a:avLst/>
+          </a:prstGeom>
+          <a:noFill/>
+        </p:spPr>
+        <p:txBody>
+          <a:bodyPr wrap="square" rtlCol="0">
+            <a:spAutoFit/>
+          </a:bodyPr>
+          <a:lstStyle/>
+          <a:p>
+            <a:r>
+              <a:rPr lang="en-US" altLang="ko-KR" sz="900" dirty="0" smtClean="0">
+                <a:solidFill>
+                  <a:schemeClr val="accent1"/>
+                </a:solidFill>
+              </a:rPr>
+              <a:t>Yes</a:t>
+            </a:r>
+            <a:endParaRPr lang="ko-KR" altLang="en-US" sz="900" dirty="0">
+              <a:solidFill>
+                <a:schemeClr val="accent1"/>
+              </a:solidFill>
+            </a:endParaRPr>
+          </a:p>
+        </p:txBody>
+      </p:sp>
+      <p:sp>
+        <p:nvSpPr>
+          <p:cNvPr id="211" name="직사각형 210"/>
+          <p:cNvSpPr/>
+          <p:nvPr/>
+        </p:nvSpPr>
+        <p:spPr>
+          <a:xfrm>
+            <a:off x="6573421" y="1796338"/>
+            <a:ext cx="794273" cy="344245"/>
+          </a:xfrm>
+          <a:prstGeom prst="rect">
+            <a:avLst/>
+          </a:prstGeom>
+        </p:spPr>
+        <p:style>
+          <a:lnRef idx="2">
+            <a:schemeClr val="dk1"/>
+          </a:lnRef>
+          <a:fillRef idx="1">
+            <a:schemeClr val="lt1"/>
+          </a:fillRef>
+          <a:effectRef idx="0">
+            <a:schemeClr val="dk1"/>
+          </a:effectRef>
+          <a:fontRef idx="minor">
+            <a:schemeClr val="dk1"/>
+          </a:fontRef>
+        </p:style>
+        <p:txBody>
+          <a:bodyPr rtlCol="0" anchor="ctr"/>
+          <a:lstStyle/>
+          <a:p>
+            <a:pPr algn="ctr"/>
+            <a:r>
+              <a:rPr lang="ko-KR" altLang="en-US" sz="1100" b="1" dirty="0" smtClean="0"/>
+              <a:t>증거 채택</a:t>
+            </a:r>
+            <a:endParaRPr lang="ko-KR" altLang="en-US" sz="1100" b="1" dirty="0"/>
+          </a:p>
+        </p:txBody>
+      </p:sp>
+      <p:cxnSp>
+        <p:nvCxnSpPr>
+          <p:cNvPr id="212" name="직선 화살표 연결선 211"/>
+          <p:cNvCxnSpPr/>
+          <p:nvPr/>
+        </p:nvCxnSpPr>
+        <p:spPr>
+          <a:xfrm>
+            <a:off x="6112602" y="1957250"/>
+            <a:ext cx="453612" cy="0"/>
+          </a:xfrm>
+          <a:prstGeom prst="straightConnector1">
+            <a:avLst/>
+          </a:prstGeom>
+          <a:ln>
+            <a:solidFill>
+              <a:schemeClr val="tx1"/>
+            </a:solidFill>
+            <a:tailEnd type="triangle"/>
+          </a:ln>
+        </p:spPr>
+        <p:style>
+          <a:lnRef idx="1">
+            <a:schemeClr val="accent1"/>
+          </a:lnRef>
+          <a:fillRef idx="0">
+            <a:schemeClr val="accent1"/>
+          </a:fillRef>
+          <a:effectRef idx="0">
+            <a:schemeClr val="accent1"/>
+          </a:effectRef>
+          <a:fontRef idx="minor">
+            <a:schemeClr val="tx1"/>
+          </a:fontRef>
+        </p:style>
+      </p:cxnSp>
+      <p:sp>
+        <p:nvSpPr>
+          <p:cNvPr id="214" name="직사각형 213"/>
+          <p:cNvSpPr/>
+          <p:nvPr/>
+        </p:nvSpPr>
+        <p:spPr>
+          <a:xfrm>
+            <a:off x="7834006" y="1800088"/>
+            <a:ext cx="794273" cy="344245"/>
+          </a:xfrm>
+          <a:prstGeom prst="rect">
+            <a:avLst/>
+          </a:prstGeom>
+          <a:solidFill>
+            <a:srgbClr val="92D050"/>
+          </a:solidFill>
+        </p:spPr>
+        <p:style>
+          <a:lnRef idx="2">
+            <a:schemeClr val="dk1"/>
+          </a:lnRef>
+          <a:fillRef idx="1">
+            <a:schemeClr val="lt1"/>
+          </a:fillRef>
+          <a:effectRef idx="0">
+            <a:schemeClr val="dk1"/>
+          </a:effectRef>
+          <a:fontRef idx="minor">
+            <a:schemeClr val="dk1"/>
+          </a:fontRef>
+        </p:style>
+        <p:txBody>
+          <a:bodyPr rtlCol="0" anchor="ctr"/>
+          <a:lstStyle/>
+          <a:p>
+            <a:pPr algn="ctr"/>
+            <a:r>
+              <a:rPr lang="ko-KR" altLang="en-US" sz="1100" b="1" dirty="0" smtClean="0"/>
+              <a:t>보상</a:t>
+            </a:r>
+            <a:endParaRPr lang="ko-KR" altLang="en-US" sz="1100" b="1" dirty="0"/>
+          </a:p>
+        </p:txBody>
+      </p:sp>
+      <p:cxnSp>
+        <p:nvCxnSpPr>
+          <p:cNvPr id="216" name="직선 화살표 연결선 215"/>
+          <p:cNvCxnSpPr/>
+          <p:nvPr/>
+        </p:nvCxnSpPr>
+        <p:spPr>
+          <a:xfrm>
+            <a:off x="7367694" y="1957250"/>
+            <a:ext cx="453612" cy="0"/>
+          </a:xfrm>
+          <a:prstGeom prst="straightConnector1">
+            <a:avLst/>
+          </a:prstGeom>
+          <a:ln>
+            <a:solidFill>
+              <a:schemeClr val="accent1"/>
+            </a:solidFill>
+            <a:tailEnd type="triangle"/>
+          </a:ln>
+        </p:spPr>
+        <p:style>
+          <a:lnRef idx="1">
+            <a:schemeClr val="accent1"/>
+          </a:lnRef>
+          <a:fillRef idx="0">
+            <a:schemeClr val="accent1"/>
+          </a:fillRef>
+          <a:effectRef idx="0">
+            <a:schemeClr val="accent1"/>
+          </a:effectRef>
+          <a:fontRef idx="minor">
+            <a:schemeClr val="tx1"/>
+          </a:fontRef>
+        </p:style>
+      </p:cxnSp>
+      <p:sp>
+        <p:nvSpPr>
+          <p:cNvPr id="217" name="TextBox 216"/>
+          <p:cNvSpPr txBox="1"/>
+          <p:nvPr/>
+        </p:nvSpPr>
+        <p:spPr>
+          <a:xfrm>
+            <a:off x="6593628" y="1507990"/>
+            <a:ext cx="391575" cy="230832"/>
+          </a:xfrm>
+          <a:prstGeom prst="rect">
+            <a:avLst/>
+          </a:prstGeom>
+          <a:noFill/>
+        </p:spPr>
+        <p:txBody>
+          <a:bodyPr wrap="square" rtlCol="0">
+            <a:spAutoFit/>
+          </a:bodyPr>
+          <a:lstStyle/>
+          <a:p>
+            <a:r>
+              <a:rPr lang="en-US" altLang="ko-KR" sz="900" dirty="0" smtClean="0">
+                <a:solidFill>
+                  <a:srgbClr val="FF0000"/>
+                </a:solidFill>
+              </a:rPr>
+              <a:t>No</a:t>
+            </a:r>
+            <a:endParaRPr lang="ko-KR" altLang="en-US" sz="900" dirty="0">
+              <a:solidFill>
+                <a:srgbClr val="FF0000"/>
+              </a:solidFill>
+            </a:endParaRPr>
+          </a:p>
+        </p:txBody>
+      </p:sp>
+      <p:sp>
+        <p:nvSpPr>
+          <p:cNvPr id="184" name="TextBox 183"/>
+          <p:cNvSpPr txBox="1"/>
+          <p:nvPr/>
+        </p:nvSpPr>
+        <p:spPr>
+          <a:xfrm>
+            <a:off x="6938019" y="1368923"/>
+            <a:ext cx="3214341" cy="369332"/>
+          </a:xfrm>
+          <a:prstGeom prst="rect">
+            <a:avLst/>
+          </a:prstGeom>
+          <a:noFill/>
+        </p:spPr>
+        <p:txBody>
+          <a:bodyPr wrap="none" rtlCol="0">
+            <a:spAutoFit/>
+          </a:bodyPr>
+          <a:lstStyle/>
+          <a:p>
+            <a:r>
+              <a:rPr lang="en-US" altLang="ko-KR" sz="900" dirty="0" smtClean="0">
+                <a:solidFill>
+                  <a:srgbClr val="FF0000"/>
+                </a:solidFill>
+              </a:rPr>
+              <a:t>1. 3</a:t>
+            </a:r>
+            <a:r>
+              <a:rPr lang="ko-KR" altLang="en-US" sz="900" dirty="0" smtClean="0">
+                <a:solidFill>
+                  <a:srgbClr val="FF0000"/>
+                </a:solidFill>
+              </a:rPr>
+              <a:t>번에 기회를 모두 소진한 경우</a:t>
+            </a:r>
+            <a:endParaRPr lang="en-US" altLang="ko-KR" sz="900" dirty="0" smtClean="0">
+              <a:solidFill>
+                <a:srgbClr val="FF0000"/>
+              </a:solidFill>
+            </a:endParaRPr>
+          </a:p>
+          <a:p>
+            <a:r>
+              <a:rPr lang="en-US" altLang="ko-KR" sz="900" dirty="0" smtClean="0">
+                <a:solidFill>
+                  <a:srgbClr val="FF0000"/>
+                </a:solidFill>
+              </a:rPr>
+              <a:t>2. </a:t>
+            </a:r>
+            <a:r>
+              <a:rPr lang="ko-KR" altLang="en-US" sz="900" dirty="0" smtClean="0">
+                <a:solidFill>
+                  <a:srgbClr val="FF0000"/>
+                </a:solidFill>
+              </a:rPr>
+              <a:t>증거 채택 가능 수를 모두 소진한 후 추리를 실패할 경우</a:t>
+            </a:r>
+            <a:endParaRPr lang="ko-KR" altLang="en-US" sz="900" dirty="0">
+              <a:solidFill>
+                <a:srgbClr val="FF0000"/>
+              </a:solidFill>
+            </a:endParaRPr>
+          </a:p>
+        </p:txBody>
+      </p:sp>
+      <p:cxnSp>
+        <p:nvCxnSpPr>
+          <p:cNvPr id="188" name="꺾인 연결선 187"/>
+          <p:cNvCxnSpPr>
+            <a:stCxn id="211" idx="0"/>
+          </p:cNvCxnSpPr>
+          <p:nvPr/>
+        </p:nvCxnSpPr>
+        <p:spPr>
+          <a:xfrm rot="16200000" flipV="1">
+            <a:off x="3982772" y="-1191448"/>
+            <a:ext cx="427415" cy="5548158"/>
+          </a:xfrm>
+          <a:prstGeom prst="bentConnector2">
+            <a:avLst/>
+          </a:prstGeom>
+          <a:ln>
+            <a:solidFill>
+              <a:srgbClr val="FF0000"/>
+            </a:solidFill>
+          </a:ln>
+        </p:spPr>
+        <p:style>
+          <a:lnRef idx="1">
+            <a:schemeClr val="accent1"/>
+          </a:lnRef>
+          <a:fillRef idx="0">
+            <a:schemeClr val="accent1"/>
+          </a:fillRef>
+          <a:effectRef idx="0">
+            <a:schemeClr val="accent1"/>
+          </a:effectRef>
+          <a:fontRef idx="minor">
+            <a:schemeClr val="tx1"/>
+          </a:fontRef>
+        </p:style>
+      </p:cxnSp>
+      <p:cxnSp>
+        <p:nvCxnSpPr>
+          <p:cNvPr id="191" name="꺾인 연결선 190"/>
+          <p:cNvCxnSpPr/>
+          <p:nvPr/>
+        </p:nvCxnSpPr>
+        <p:spPr>
+          <a:xfrm rot="16200000" flipH="1">
+            <a:off x="-408849" y="3200170"/>
+            <a:ext cx="3662499" cy="4"/>
+          </a:xfrm>
+          <a:prstGeom prst="bentConnector3">
+            <a:avLst>
+              <a:gd name="adj1" fmla="val 50000"/>
+            </a:avLst>
+          </a:prstGeom>
+          <a:ln>
+            <a:solidFill>
+              <a:srgbClr val="FF0000"/>
+            </a:solidFill>
+          </a:ln>
+        </p:spPr>
+        <p:style>
+          <a:lnRef idx="1">
+            <a:schemeClr val="accent1"/>
+          </a:lnRef>
+          <a:fillRef idx="0">
+            <a:schemeClr val="accent1"/>
+          </a:fillRef>
+          <a:effectRef idx="0">
+            <a:schemeClr val="accent1"/>
+          </a:effectRef>
+          <a:fontRef idx="minor">
+            <a:schemeClr val="tx1"/>
+          </a:fontRef>
+        </p:style>
+      </p:cxnSp>
+      <p:cxnSp>
+        <p:nvCxnSpPr>
+          <p:cNvPr id="221" name="직선 화살표 연결선 220"/>
+          <p:cNvCxnSpPr>
+            <a:endCxn id="107" idx="1"/>
+          </p:cNvCxnSpPr>
+          <p:nvPr/>
+        </p:nvCxnSpPr>
+        <p:spPr>
+          <a:xfrm>
+            <a:off x="1422398" y="5031420"/>
+            <a:ext cx="1379578" cy="1"/>
+          </a:xfrm>
+          <a:prstGeom prst="straightConnector1">
+            <a:avLst/>
+          </a:prstGeom>
+          <a:ln>
+            <a:solidFill>
+              <a:srgbClr val="FF0000"/>
+            </a:solidFill>
+            <a:tailEnd type="triangle"/>
+          </a:ln>
+        </p:spPr>
+        <p:style>
+          <a:lnRef idx="1">
+            <a:schemeClr val="accent1"/>
+          </a:lnRef>
+          <a:fillRef idx="0">
+            <a:schemeClr val="accent1"/>
+          </a:fillRef>
+          <a:effectRef idx="0">
+            <a:schemeClr val="accent1"/>
+          </a:effectRef>
+          <a:fontRef idx="minor">
+            <a:schemeClr val="tx1"/>
+          </a:fontRef>
+        </p:style>
+      </p:cxnSp>
+      <p:cxnSp>
+        <p:nvCxnSpPr>
+          <p:cNvPr id="226" name="꺾인 연결선 225"/>
+          <p:cNvCxnSpPr>
+            <a:stCxn id="214" idx="3"/>
+          </p:cNvCxnSpPr>
+          <p:nvPr/>
+        </p:nvCxnSpPr>
+        <p:spPr>
+          <a:xfrm>
+            <a:off x="8628279" y="1972211"/>
+            <a:ext cx="337921" cy="4149189"/>
+          </a:xfrm>
+          <a:prstGeom prst="bentConnector2">
+            <a:avLst/>
+          </a:prstGeom>
+          <a:ln>
+            <a:solidFill>
+              <a:schemeClr val="tx1"/>
+            </a:solidFill>
+          </a:ln>
+        </p:spPr>
+        <p:style>
+          <a:lnRef idx="1">
+            <a:schemeClr val="accent1"/>
+          </a:lnRef>
+          <a:fillRef idx="0">
+            <a:schemeClr val="accent1"/>
+          </a:fillRef>
+          <a:effectRef idx="0">
+            <a:schemeClr val="accent1"/>
+          </a:effectRef>
+          <a:fontRef idx="minor">
+            <a:schemeClr val="tx1"/>
+          </a:fontRef>
+        </p:style>
+      </p:cxnSp>
+      <p:cxnSp>
+        <p:nvCxnSpPr>
+          <p:cNvPr id="231" name="직선 연결선 230"/>
+          <p:cNvCxnSpPr/>
+          <p:nvPr/>
+        </p:nvCxnSpPr>
+        <p:spPr>
+          <a:xfrm flipH="1" flipV="1">
+            <a:off x="3343275" y="6111875"/>
+            <a:ext cx="5626100" cy="12700"/>
+          </a:xfrm>
+          <a:prstGeom prst="line">
+            <a:avLst/>
+          </a:prstGeom>
+          <a:ln>
+            <a:solidFill>
+              <a:schemeClr val="tx1"/>
+            </a:solidFill>
+          </a:ln>
+        </p:spPr>
+        <p:style>
+          <a:lnRef idx="1">
+            <a:schemeClr val="accent1"/>
+          </a:lnRef>
+          <a:fillRef idx="0">
+            <a:schemeClr val="accent1"/>
+          </a:fillRef>
+          <a:effectRef idx="0">
+            <a:schemeClr val="accent1"/>
+          </a:effectRef>
+          <a:fontRef idx="minor">
+            <a:schemeClr val="tx1"/>
+          </a:fontRef>
+        </p:style>
+      </p:cxnSp>
+      <p:cxnSp>
+        <p:nvCxnSpPr>
+          <p:cNvPr id="233" name="직선 화살표 연결선 232"/>
+          <p:cNvCxnSpPr/>
+          <p:nvPr/>
+        </p:nvCxnSpPr>
+        <p:spPr>
+          <a:xfrm flipV="1">
+            <a:off x="3343275" y="5203543"/>
+            <a:ext cx="0" cy="908332"/>
+          </a:xfrm>
+          <a:prstGeom prst="straightConnector1">
+            <a:avLst/>
+          </a:prstGeom>
+          <a:ln>
+            <a:solidFill>
+              <a:schemeClr val="tx1"/>
+            </a:solidFill>
+            <a:tailEnd type="triangle"/>
+          </a:ln>
+        </p:spPr>
+        <p:style>
+          <a:lnRef idx="1">
+            <a:schemeClr val="accent1"/>
+          </a:lnRef>
+          <a:fillRef idx="0">
+            <a:schemeClr val="accent1"/>
+          </a:fillRef>
+          <a:effectRef idx="0">
+            <a:schemeClr val="accent1"/>
+          </a:effectRef>
+          <a:fontRef idx="minor">
+            <a:schemeClr val="tx1"/>
+          </a:fontRef>
+        </p:style>
+      </p:cxnSp>
+    </p:spTree>
+    <p:extLst>
+      <p:ext uri="{BB962C8B-B14F-4D97-AF65-F5344CB8AC3E}">
+        <p14:creationId xmlns:p14="http://schemas.microsoft.com/office/powerpoint/2010/main" val="2493136777"/>
+      </p:ext>
+    </p:extLst>
+  </p:cSld>
+  <p:clrMapOvr>
+    <a:masterClrMapping/>
+  </p:clrMapOvr>
+</p:sld>
+</file>
+
+<file path=ppt/slides/slide2.xml><?xml version="1.0" encoding="utf-8"?>
+<p:sld xmlns:a="http://schemas.openxmlformats.org/drawingml/2006/main" xmlns:r="http://schemas.openxmlformats.org/officeDocument/2006/relationships" xmlns:p="http://schemas.openxmlformats.org/presentationml/2006/main">
+  <p:cSld>
+    <p:spTree>
+      <p:nvGrpSpPr>
+        <p:cNvPr id="1" name=""/>
+        <p:cNvGrpSpPr/>
+        <p:nvPr/>
+      </p:nvGrpSpPr>
+      <p:grpSpPr>
+        <a:xfrm>
+          <a:off x="0" y="0"/>
+          <a:ext cx="0" cy="0"/>
+          <a:chOff x="0" y="0"/>
+          <a:chExt cx="0" cy="0"/>
+        </a:xfrm>
+      </p:grpSpPr>
       <p:grpSp>
         <p:nvGrpSpPr>
-          <p:cNvPr id="234" name="그룹 233"/>
+          <p:cNvPr id="194" name="그룹 193"/>
           <p:cNvGrpSpPr/>
           <p:nvPr/>
         </p:nvGrpSpPr>
         <p:grpSpPr>
           <a:xfrm>
-            <a:off x="1422398" y="1368922"/>
-            <a:ext cx="8729962" cy="4755653"/>
-            <a:chOff x="3314698" y="1534022"/>
-            <a:chExt cx="8729962" cy="4755653"/>
+            <a:off x="455758" y="695014"/>
+            <a:ext cx="7237693" cy="6081221"/>
+            <a:chOff x="455758" y="695014"/>
+            <a:chExt cx="7237693" cy="6081221"/>
           </a:xfrm>
         </p:grpSpPr>
         <p:sp>
           <p:nvSpPr>
-            <p:cNvPr id="27" name="직사각형 26"/>
+            <p:cNvPr id="67" name="직사각형 66"/>
             <p:cNvSpPr/>
             <p:nvPr/>
           </p:nvSpPr>
           <p:spPr>
             <a:xfrm>
-              <a:off x="4694277" y="4139956"/>
+              <a:off x="1687161" y="2910144"/>
               <a:ext cx="794273" cy="344245"/>
             </a:xfrm>
             <a:prstGeom prst="rect">
@@ -3026,12 +5282,12 @@
             <a:p>
               <a:pPr algn="ctr"/>
               <a:r>
-                <a:rPr lang="ko-KR" altLang="en-US" sz="1100" b="1" dirty="0" smtClean="0">
+                <a:rPr lang="ko-KR" altLang="en-US" sz="1100" b="1" dirty="0" err="1" smtClean="0">
                   <a:solidFill>
                     <a:schemeClr val="tx1"/>
                   </a:solidFill>
                 </a:rPr>
-                <a:t>조사</a:t>
+                <a:t>월드맵</a:t>
               </a:r>
               <a:endParaRPr lang="ko-KR" altLang="en-US" sz="1100" b="1" dirty="0">
                 <a:solidFill>
@@ -3041,65 +5297,25 @@
             </a:p>
           </p:txBody>
         </p:sp>
-        <p:sp>
-          <p:nvSpPr>
-            <p:cNvPr id="84" name="직사각형 83"/>
-            <p:cNvSpPr/>
-            <p:nvPr/>
-          </p:nvSpPr>
-          <p:spPr>
-            <a:xfrm>
-              <a:off x="5942162" y="4139955"/>
-              <a:ext cx="794273" cy="344245"/>
-            </a:xfrm>
-            <a:prstGeom prst="rect">
-              <a:avLst/>
-            </a:prstGeom>
-          </p:spPr>
-          <p:style>
-            <a:lnRef idx="2">
-              <a:schemeClr val="dk1"/>
-            </a:lnRef>
-            <a:fillRef idx="1">
-              <a:schemeClr val="lt1"/>
-            </a:fillRef>
-            <a:effectRef idx="0">
-              <a:schemeClr val="dk1"/>
-            </a:effectRef>
-            <a:fontRef idx="minor">
-              <a:schemeClr val="dk1"/>
-            </a:fontRef>
-          </p:style>
-          <p:txBody>
-            <a:bodyPr rtlCol="0" anchor="ctr"/>
-            <a:lstStyle/>
-            <a:p>
-              <a:pPr algn="ctr"/>
-              <a:r>
-                <a:rPr lang="ko-KR" altLang="en-US" sz="1100" b="1" dirty="0" smtClean="0"/>
-                <a:t>조사 팝업</a:t>
-              </a:r>
-              <a:endParaRPr lang="ko-KR" altLang="en-US" sz="1100" b="1" dirty="0"/>
-            </a:p>
-          </p:txBody>
-        </p:sp>
         <p:cxnSp>
           <p:nvCxnSpPr>
-            <p:cNvPr id="90" name="직선 화살표 연결선 89"/>
-            <p:cNvCxnSpPr/>
+            <p:cNvPr id="11" name="직선 화살표 연결선 10"/>
+            <p:cNvCxnSpPr>
+              <a:stCxn id="67" idx="3"/>
+            </p:cNvCxnSpPr>
             <p:nvPr/>
           </p:nvCxnSpPr>
           <p:spPr>
-            <a:xfrm>
-              <a:off x="6736435" y="4312685"/>
-              <a:ext cx="453612" cy="0"/>
+            <a:xfrm flipV="1">
+              <a:off x="2481434" y="3082266"/>
+              <a:ext cx="437130" cy="1"/>
             </a:xfrm>
             <a:prstGeom prst="straightConnector1">
               <a:avLst/>
             </a:prstGeom>
             <a:ln>
               <a:solidFill>
-                <a:schemeClr val="accent1"/>
+                <a:schemeClr val="tx1"/>
               </a:solidFill>
               <a:tailEnd type="triangle"/>
             </a:ln>
@@ -3121,69 +5337,41 @@
         </p:cxnSp>
         <p:sp>
           <p:nvSpPr>
-            <p:cNvPr id="91" name="TextBox 90"/>
-            <p:cNvSpPr txBox="1"/>
-            <p:nvPr/>
-          </p:nvSpPr>
-          <p:spPr>
-            <a:xfrm>
-              <a:off x="6764224" y="4081245"/>
-              <a:ext cx="398033" cy="230832"/>
-            </a:xfrm>
-            <a:prstGeom prst="rect">
-              <a:avLst/>
-            </a:prstGeom>
-            <a:noFill/>
-          </p:spPr>
-          <p:txBody>
-            <a:bodyPr wrap="square" rtlCol="0">
-              <a:spAutoFit/>
-            </a:bodyPr>
-            <a:lstStyle/>
-            <a:p>
-              <a:r>
-                <a:rPr lang="en-US" altLang="ko-KR" sz="900" dirty="0" smtClean="0">
-                  <a:solidFill>
-                    <a:schemeClr val="accent1"/>
-                  </a:solidFill>
-                </a:rPr>
-                <a:t>Yes</a:t>
-              </a:r>
-              <a:endParaRPr lang="ko-KR" altLang="en-US" sz="900" dirty="0">
-                <a:solidFill>
-                  <a:schemeClr val="accent1"/>
-                </a:solidFill>
-              </a:endParaRPr>
-            </a:p>
-          </p:txBody>
-        </p:sp>
-        <p:sp>
-          <p:nvSpPr>
-            <p:cNvPr id="93" name="직사각형 92"/>
+            <p:cNvPr id="70" name="직사각형 69"/>
             <p:cNvSpPr/>
             <p:nvPr/>
           </p:nvSpPr>
           <p:spPr>
             <a:xfrm>
-              <a:off x="7205136" y="4139954"/>
+              <a:off x="2918564" y="2910144"/>
               <a:ext cx="794273" cy="344245"/>
             </a:xfrm>
             <a:prstGeom prst="rect">
               <a:avLst/>
             </a:prstGeom>
+            <a:solidFill>
+              <a:schemeClr val="bg1"/>
+            </a:solidFill>
+            <a:ln>
+              <a:solidFill>
+                <a:schemeClr val="tx1"/>
+              </a:solidFill>
+            </a:ln>
           </p:spPr>
           <p:style>
             <a:lnRef idx="2">
-              <a:schemeClr val="dk1"/>
+              <a:schemeClr val="accent6">
+                <a:shade val="50000"/>
+              </a:schemeClr>
             </a:lnRef>
             <a:fillRef idx="1">
-              <a:schemeClr val="lt1"/>
+              <a:schemeClr val="accent6"/>
             </a:fillRef>
             <a:effectRef idx="0">
-              <a:schemeClr val="dk1"/>
+              <a:schemeClr val="accent6"/>
             </a:effectRef>
             <a:fontRef idx="minor">
-              <a:schemeClr val="dk1"/>
+              <a:schemeClr val="lt1"/>
             </a:fontRef>
           </p:style>
           <p:txBody>
@@ -3192,23 +5380,298 @@
             <a:p>
               <a:pPr algn="ctr"/>
               <a:r>
-                <a:rPr lang="ko-KR" altLang="en-US" sz="1100" b="1" dirty="0" smtClean="0"/>
-                <a:t>조사 시작</a:t>
+                <a:rPr lang="ko-KR" altLang="en-US" sz="1100" b="1" dirty="0" smtClean="0">
+                  <a:solidFill>
+                    <a:schemeClr val="tx1"/>
+                  </a:solidFill>
+                </a:rPr>
+                <a:t>설정</a:t>
               </a:r>
-              <a:endParaRPr lang="ko-KR" altLang="en-US" sz="1100" b="1" dirty="0"/>
+              <a:endParaRPr lang="ko-KR" altLang="en-US" sz="1100" b="1" dirty="0">
+                <a:solidFill>
+                  <a:schemeClr val="tx1"/>
+                </a:solidFill>
+              </a:endParaRPr>
+            </a:p>
+          </p:txBody>
+        </p:sp>
+        <p:sp>
+          <p:nvSpPr>
+            <p:cNvPr id="72" name="직사각형 71"/>
+            <p:cNvSpPr/>
+            <p:nvPr/>
+          </p:nvSpPr>
+          <p:spPr>
+            <a:xfrm>
+              <a:off x="4149967" y="2910143"/>
+              <a:ext cx="794273" cy="344245"/>
+            </a:xfrm>
+            <a:prstGeom prst="rect">
+              <a:avLst/>
+            </a:prstGeom>
+            <a:solidFill>
+              <a:schemeClr val="bg1"/>
+            </a:solidFill>
+            <a:ln>
+              <a:solidFill>
+                <a:schemeClr val="tx1"/>
+              </a:solidFill>
+            </a:ln>
+          </p:spPr>
+          <p:style>
+            <a:lnRef idx="2">
+              <a:schemeClr val="accent6">
+                <a:shade val="50000"/>
+              </a:schemeClr>
+            </a:lnRef>
+            <a:fillRef idx="1">
+              <a:schemeClr val="accent6"/>
+            </a:fillRef>
+            <a:effectRef idx="0">
+              <a:schemeClr val="accent6"/>
+            </a:effectRef>
+            <a:fontRef idx="minor">
+              <a:schemeClr val="lt1"/>
+            </a:fontRef>
+          </p:style>
+          <p:txBody>
+            <a:bodyPr rtlCol="0" anchor="ctr"/>
+            <a:lstStyle/>
+            <a:p>
+              <a:pPr algn="ctr"/>
+              <a:r>
+                <a:rPr lang="ko-KR" altLang="en-US" sz="1100" b="1" dirty="0" smtClean="0">
+                  <a:solidFill>
+                    <a:schemeClr val="tx1"/>
+                  </a:solidFill>
+                </a:rPr>
+                <a:t>설정 팝업</a:t>
+              </a:r>
+              <a:endParaRPr lang="ko-KR" altLang="en-US" sz="1100" b="1" dirty="0">
+                <a:solidFill>
+                  <a:schemeClr val="tx1"/>
+                </a:solidFill>
+              </a:endParaRPr>
             </a:p>
           </p:txBody>
         </p:sp>
         <p:cxnSp>
           <p:nvCxnSpPr>
-            <p:cNvPr id="97" name="직선 화살표 연결선 96"/>
+            <p:cNvPr id="76" name="직선 화살표 연결선 75"/>
             <p:cNvCxnSpPr/>
             <p:nvPr/>
           </p:nvCxnSpPr>
           <p:spPr>
-            <a:xfrm flipH="1">
-              <a:off x="5488550" y="5196520"/>
-              <a:ext cx="841337" cy="0"/>
+            <a:xfrm flipV="1">
+              <a:off x="3712837" y="3082266"/>
+              <a:ext cx="437130" cy="1"/>
+            </a:xfrm>
+            <a:prstGeom prst="straightConnector1">
+              <a:avLst/>
+            </a:prstGeom>
+            <a:ln>
+              <a:solidFill>
+                <a:schemeClr val="tx1"/>
+              </a:solidFill>
+              <a:tailEnd type="triangle"/>
+            </a:ln>
+          </p:spPr>
+          <p:style>
+            <a:lnRef idx="1">
+              <a:schemeClr val="accent1"/>
+            </a:lnRef>
+            <a:fillRef idx="0">
+              <a:schemeClr val="accent1"/>
+            </a:fillRef>
+            <a:effectRef idx="0">
+              <a:schemeClr val="accent1"/>
+            </a:effectRef>
+            <a:fontRef idx="minor">
+              <a:schemeClr val="tx1"/>
+            </a:fontRef>
+          </p:style>
+        </p:cxnSp>
+        <p:cxnSp>
+          <p:nvCxnSpPr>
+            <p:cNvPr id="78" name="직선 화살표 연결선 77"/>
+            <p:cNvCxnSpPr>
+              <a:stCxn id="72" idx="0"/>
+              <a:endCxn id="79" idx="2"/>
+            </p:cNvCxnSpPr>
+            <p:nvPr/>
+          </p:nvCxnSpPr>
+          <p:spPr>
+            <a:xfrm flipV="1">
+              <a:off x="4547104" y="2540845"/>
+              <a:ext cx="0" cy="369298"/>
+            </a:xfrm>
+            <a:prstGeom prst="straightConnector1">
+              <a:avLst/>
+            </a:prstGeom>
+            <a:ln>
+              <a:solidFill>
+                <a:schemeClr val="tx1"/>
+              </a:solidFill>
+              <a:tailEnd type="triangle"/>
+            </a:ln>
+          </p:spPr>
+          <p:style>
+            <a:lnRef idx="1">
+              <a:schemeClr val="accent1"/>
+            </a:lnRef>
+            <a:fillRef idx="0">
+              <a:schemeClr val="accent1"/>
+            </a:fillRef>
+            <a:effectRef idx="0">
+              <a:schemeClr val="accent1"/>
+            </a:effectRef>
+            <a:fontRef idx="minor">
+              <a:schemeClr val="tx1"/>
+            </a:fontRef>
+          </p:style>
+        </p:cxnSp>
+        <p:sp>
+          <p:nvSpPr>
+            <p:cNvPr id="79" name="직사각형 78"/>
+            <p:cNvSpPr/>
+            <p:nvPr/>
+          </p:nvSpPr>
+          <p:spPr>
+            <a:xfrm>
+              <a:off x="4149967" y="2196600"/>
+              <a:ext cx="794273" cy="344245"/>
+            </a:xfrm>
+            <a:prstGeom prst="rect">
+              <a:avLst/>
+            </a:prstGeom>
+            <a:solidFill>
+              <a:schemeClr val="bg1"/>
+            </a:solidFill>
+            <a:ln>
+              <a:solidFill>
+                <a:schemeClr val="tx1"/>
+              </a:solidFill>
+            </a:ln>
+          </p:spPr>
+          <p:style>
+            <a:lnRef idx="2">
+              <a:schemeClr val="accent6">
+                <a:shade val="50000"/>
+              </a:schemeClr>
+            </a:lnRef>
+            <a:fillRef idx="1">
+              <a:schemeClr val="accent6"/>
+            </a:fillRef>
+            <a:effectRef idx="0">
+              <a:schemeClr val="accent6"/>
+            </a:effectRef>
+            <a:fontRef idx="minor">
+              <a:schemeClr val="lt1"/>
+            </a:fontRef>
+          </p:style>
+          <p:txBody>
+            <a:bodyPr rtlCol="0" anchor="ctr"/>
+            <a:lstStyle/>
+            <a:p>
+              <a:pPr algn="ctr"/>
+              <a:r>
+                <a:rPr lang="ko-KR" altLang="en-US" sz="1100" b="1" dirty="0" smtClean="0">
+                  <a:solidFill>
+                    <a:schemeClr val="tx1"/>
+                  </a:solidFill>
+                </a:rPr>
+                <a:t>저장공간</a:t>
+              </a:r>
+              <a:endParaRPr lang="ko-KR" altLang="en-US" sz="1100" b="1" dirty="0">
+                <a:solidFill>
+                  <a:schemeClr val="tx1"/>
+                </a:solidFill>
+              </a:endParaRPr>
+            </a:p>
+          </p:txBody>
+        </p:sp>
+        <p:cxnSp>
+          <p:nvCxnSpPr>
+            <p:cNvPr id="42" name="직선 연결선 41"/>
+            <p:cNvCxnSpPr>
+              <a:stCxn id="79" idx="1"/>
+            </p:cNvCxnSpPr>
+            <p:nvPr/>
+          </p:nvCxnSpPr>
+          <p:spPr>
+            <a:xfrm flipH="1" flipV="1">
+              <a:off x="3931402" y="1607949"/>
+              <a:ext cx="218565" cy="1"/>
+            </a:xfrm>
+            <a:prstGeom prst="line">
+              <a:avLst/>
+            </a:prstGeom>
+            <a:ln>
+              <a:solidFill>
+                <a:srgbClr val="FF0000"/>
+              </a:solidFill>
+            </a:ln>
+          </p:spPr>
+          <p:style>
+            <a:lnRef idx="1">
+              <a:schemeClr val="accent1"/>
+            </a:lnRef>
+            <a:fillRef idx="0">
+              <a:schemeClr val="accent1"/>
+            </a:fillRef>
+            <a:effectRef idx="0">
+              <a:schemeClr val="accent1"/>
+            </a:effectRef>
+            <a:fontRef idx="minor">
+              <a:schemeClr val="tx1"/>
+            </a:fontRef>
+          </p:style>
+        </p:cxnSp>
+        <p:cxnSp>
+          <p:nvCxnSpPr>
+            <p:cNvPr id="44" name="직선 연결선 43"/>
+            <p:cNvCxnSpPr/>
+            <p:nvPr/>
+          </p:nvCxnSpPr>
+          <p:spPr>
+            <a:xfrm>
+              <a:off x="3931402" y="1607949"/>
+              <a:ext cx="0" cy="1319909"/>
+            </a:xfrm>
+            <a:prstGeom prst="line">
+              <a:avLst/>
+            </a:prstGeom>
+            <a:ln>
+              <a:solidFill>
+                <a:srgbClr val="FF0000"/>
+              </a:solidFill>
+            </a:ln>
+          </p:spPr>
+          <p:style>
+            <a:lnRef idx="1">
+              <a:schemeClr val="accent1"/>
+            </a:lnRef>
+            <a:fillRef idx="0">
+              <a:schemeClr val="accent1"/>
+            </a:fillRef>
+            <a:effectRef idx="0">
+              <a:schemeClr val="accent1"/>
+            </a:effectRef>
+            <a:fontRef idx="minor">
+              <a:schemeClr val="tx1"/>
+            </a:fontRef>
+          </p:style>
+        </p:cxnSp>
+        <p:cxnSp>
+          <p:nvCxnSpPr>
+            <p:cNvPr id="46" name="직선 화살표 연결선 45"/>
+            <p:cNvCxnSpPr/>
+            <p:nvPr/>
+          </p:nvCxnSpPr>
+          <p:spPr>
+            <a:xfrm>
+              <a:off x="3931402" y="2927858"/>
+              <a:ext cx="218565" cy="0"/>
             </a:xfrm>
             <a:prstGeom prst="straightConnector1">
               <a:avLst/>
@@ -3237,13 +5700,13 @@
         </p:cxnSp>
         <p:sp>
           <p:nvSpPr>
-            <p:cNvPr id="105" name="TextBox 104"/>
+            <p:cNvPr id="114" name="TextBox 113"/>
             <p:cNvSpPr txBox="1"/>
             <p:nvPr/>
           </p:nvSpPr>
           <p:spPr>
             <a:xfrm>
-              <a:off x="6329887" y="4531686"/>
+              <a:off x="3651891" y="2102325"/>
               <a:ext cx="391575" cy="230832"/>
             </a:xfrm>
             <a:prstGeom prst="rect">
@@ -3275,31 +5738,41 @@
         </p:sp>
         <p:sp>
           <p:nvSpPr>
-            <p:cNvPr id="107" name="직사각형 106"/>
+            <p:cNvPr id="116" name="직사각형 115"/>
             <p:cNvSpPr/>
             <p:nvPr/>
           </p:nvSpPr>
           <p:spPr>
             <a:xfrm>
-              <a:off x="4694276" y="5024398"/>
+              <a:off x="4149965" y="724368"/>
               <a:ext cx="794273" cy="344245"/>
             </a:xfrm>
             <a:prstGeom prst="rect">
               <a:avLst/>
             </a:prstGeom>
+            <a:solidFill>
+              <a:schemeClr val="bg1"/>
+            </a:solidFill>
+            <a:ln>
+              <a:solidFill>
+                <a:schemeClr val="tx1"/>
+              </a:solidFill>
+            </a:ln>
           </p:spPr>
           <p:style>
             <a:lnRef idx="2">
-              <a:schemeClr val="dk1"/>
+              <a:schemeClr val="accent6">
+                <a:shade val="50000"/>
+              </a:schemeClr>
             </a:lnRef>
             <a:fillRef idx="1">
-              <a:schemeClr val="lt1"/>
+              <a:schemeClr val="accent6"/>
             </a:fillRef>
             <a:effectRef idx="0">
-              <a:schemeClr val="dk1"/>
+              <a:schemeClr val="accent6"/>
             </a:effectRef>
             <a:fontRef idx="minor">
-              <a:schemeClr val="dk1"/>
+              <a:schemeClr val="lt1"/>
             </a:fontRef>
           </p:style>
           <p:txBody>
@@ -3308,23 +5781,31 @@
             <a:p>
               <a:pPr algn="ctr"/>
               <a:r>
-                <a:rPr lang="ko-KR" altLang="en-US" sz="1100" b="1" dirty="0"/>
-                <a:t>맵</a:t>
+                <a:rPr lang="ko-KR" altLang="en-US" sz="1100" b="1" dirty="0" smtClean="0">
+                  <a:solidFill>
+                    <a:schemeClr val="tx1"/>
+                  </a:solidFill>
+                </a:rPr>
+                <a:t>저장 팝업</a:t>
               </a:r>
-              <a:endParaRPr lang="ko-KR" altLang="en-US" sz="1100" b="1" dirty="0"/>
+              <a:endParaRPr lang="ko-KR" altLang="en-US" sz="1100" b="1" dirty="0">
+                <a:solidFill>
+                  <a:schemeClr val="tx1"/>
+                </a:solidFill>
+              </a:endParaRPr>
             </a:p>
           </p:txBody>
         </p:sp>
         <p:cxnSp>
           <p:nvCxnSpPr>
-            <p:cNvPr id="111" name="직선 화살표 연결선 110"/>
+            <p:cNvPr id="121" name="직선 화살표 연결선 120"/>
             <p:cNvCxnSpPr/>
             <p:nvPr/>
           </p:nvCxnSpPr>
           <p:spPr>
-            <a:xfrm>
-              <a:off x="7999409" y="4312685"/>
-              <a:ext cx="453612" cy="0"/>
+            <a:xfrm flipV="1">
+              <a:off x="4547104" y="1827302"/>
+              <a:ext cx="0" cy="369298"/>
             </a:xfrm>
             <a:prstGeom prst="straightConnector1">
               <a:avLst/>
@@ -3351,66 +5832,53 @@
             </a:fontRef>
           </p:style>
         </p:cxnSp>
-        <p:sp>
-          <p:nvSpPr>
-            <p:cNvPr id="112" name="직사각형 111"/>
-            <p:cNvSpPr/>
+        <p:cxnSp>
+          <p:nvCxnSpPr>
+            <p:cNvPr id="51" name="꺾인 연결선 50"/>
+            <p:cNvCxnSpPr>
+              <a:stCxn id="116" idx="3"/>
+            </p:cNvCxnSpPr>
             <p:nvPr/>
-          </p:nvSpPr>
+          </p:nvCxnSpPr>
           <p:spPr>
             <a:xfrm>
-              <a:off x="8465721" y="4139954"/>
-              <a:ext cx="794273" cy="344245"/>
+              <a:off x="4944238" y="896491"/>
+              <a:ext cx="295350" cy="2073808"/>
             </a:xfrm>
-            <a:prstGeom prst="rect">
+            <a:prstGeom prst="bentConnector2">
               <a:avLst/>
             </a:prstGeom>
           </p:spPr>
           <p:style>
-            <a:lnRef idx="2">
-              <a:schemeClr val="dk1"/>
+            <a:lnRef idx="1">
+              <a:schemeClr val="accent1"/>
             </a:lnRef>
-            <a:fillRef idx="1">
-              <a:schemeClr val="lt1"/>
+            <a:fillRef idx="0">
+              <a:schemeClr val="accent1"/>
             </a:fillRef>
             <a:effectRef idx="0">
-              <a:schemeClr val="dk1"/>
+              <a:schemeClr val="accent1"/>
             </a:effectRef>
             <a:fontRef idx="minor">
-              <a:schemeClr val="dk1"/>
+              <a:schemeClr val="tx1"/>
             </a:fontRef>
           </p:style>
-          <p:txBody>
-            <a:bodyPr rtlCol="0" anchor="ctr"/>
-            <a:lstStyle/>
-            <a:p>
-              <a:pPr algn="ctr"/>
-              <a:r>
-                <a:rPr lang="ko-KR" altLang="en-US" sz="1100" b="1" dirty="0" smtClean="0"/>
-                <a:t>대결</a:t>
-              </a:r>
-              <a:endParaRPr lang="ko-KR" altLang="en-US" sz="1100" b="1" dirty="0"/>
-            </a:p>
-          </p:txBody>
-        </p:sp>
+        </p:cxnSp>
         <p:cxnSp>
           <p:nvCxnSpPr>
-            <p:cNvPr id="113" name="직선 화살표 연결선 112"/>
+            <p:cNvPr id="53" name="직선 화살표 연결선 52"/>
             <p:cNvCxnSpPr/>
             <p:nvPr/>
           </p:nvCxnSpPr>
           <p:spPr>
-            <a:xfrm>
-              <a:off x="9259994" y="4312685"/>
-              <a:ext cx="453612" cy="0"/>
+            <a:xfrm flipH="1">
+              <a:off x="4947949" y="2970299"/>
+              <a:ext cx="291639" cy="1"/>
             </a:xfrm>
             <a:prstGeom prst="straightConnector1">
               <a:avLst/>
             </a:prstGeom>
             <a:ln>
-              <a:solidFill>
-                <a:schemeClr val="accent1"/>
-              </a:solidFill>
               <a:tailEnd type="triangle"/>
             </a:ln>
           </p:spPr>
@@ -3431,14 +5899,14 @@
         </p:cxnSp>
         <p:sp>
           <p:nvSpPr>
-            <p:cNvPr id="115" name="TextBox 114"/>
+            <p:cNvPr id="122" name="TextBox 121"/>
             <p:cNvSpPr txBox="1"/>
             <p:nvPr/>
           </p:nvSpPr>
           <p:spPr>
             <a:xfrm>
-              <a:off x="9247294" y="4081245"/>
-              <a:ext cx="398033" cy="230832"/>
+              <a:off x="4932369" y="695014"/>
+              <a:ext cx="391575" cy="230832"/>
             </a:xfrm>
             <a:prstGeom prst="rect">
               <a:avLst/>
@@ -3469,34 +5937,41 @@
         </p:sp>
         <p:sp>
           <p:nvSpPr>
-            <p:cNvPr id="117" name="직사각형 116"/>
+            <p:cNvPr id="124" name="직사각형 123"/>
             <p:cNvSpPr/>
             <p:nvPr/>
           </p:nvSpPr>
           <p:spPr>
             <a:xfrm>
-              <a:off x="9726306" y="4139953"/>
+              <a:off x="4149967" y="3623686"/>
               <a:ext cx="794273" cy="344245"/>
             </a:xfrm>
             <a:prstGeom prst="rect">
               <a:avLst/>
             </a:prstGeom>
             <a:solidFill>
-              <a:srgbClr val="92D050"/>
+              <a:schemeClr val="bg1"/>
             </a:solidFill>
+            <a:ln>
+              <a:solidFill>
+                <a:schemeClr val="tx1"/>
+              </a:solidFill>
+            </a:ln>
           </p:spPr>
           <p:style>
             <a:lnRef idx="2">
-              <a:schemeClr val="dk1"/>
+              <a:schemeClr val="accent6">
+                <a:shade val="50000"/>
+              </a:schemeClr>
             </a:lnRef>
             <a:fillRef idx="1">
-              <a:schemeClr val="lt1"/>
+              <a:schemeClr val="accent6"/>
             </a:fillRef>
             <a:effectRef idx="0">
-              <a:schemeClr val="dk1"/>
+              <a:schemeClr val="accent6"/>
             </a:effectRef>
             <a:fontRef idx="minor">
-              <a:schemeClr val="dk1"/>
+              <a:schemeClr val="lt1"/>
             </a:fontRef>
           </p:style>
           <p:txBody>
@@ -3505,26 +5980,366 @@
             <a:p>
               <a:pPr algn="ctr"/>
               <a:r>
-                <a:rPr lang="ko-KR" altLang="en-US" sz="1100" b="1" dirty="0" smtClean="0"/>
-                <a:t>보상</a:t>
+                <a:rPr lang="ko-KR" altLang="en-US" sz="1100" b="1" dirty="0" smtClean="0">
+                  <a:solidFill>
+                    <a:schemeClr val="tx1"/>
+                  </a:solidFill>
+                </a:rPr>
+                <a:t>불러오기</a:t>
               </a:r>
-              <a:endParaRPr lang="ko-KR" altLang="en-US" sz="1100" b="1" dirty="0"/>
+              <a:endParaRPr lang="ko-KR" altLang="en-US" sz="1100" b="1" dirty="0">
+                <a:solidFill>
+                  <a:schemeClr val="tx1"/>
+                </a:solidFill>
+              </a:endParaRPr>
             </a:p>
           </p:txBody>
         </p:sp>
         <p:cxnSp>
           <p:nvCxnSpPr>
-            <p:cNvPr id="118" name="직선 화살표 연결선 117"/>
+            <p:cNvPr id="56" name="직선 화살표 연결선 55"/>
             <p:cNvCxnSpPr/>
             <p:nvPr/>
           </p:nvCxnSpPr>
           <p:spPr>
-            <a:xfrm flipH="1">
-              <a:off x="8862856" y="4484200"/>
-              <a:ext cx="1" cy="368076"/>
+            <a:xfrm>
+              <a:off x="4547101" y="3254388"/>
+              <a:ext cx="0" cy="369298"/>
             </a:xfrm>
             <a:prstGeom prst="straightConnector1">
               <a:avLst/>
+            </a:prstGeom>
+            <a:ln>
+              <a:solidFill>
+                <a:schemeClr val="tx1"/>
+              </a:solidFill>
+              <a:tailEnd type="triangle"/>
+            </a:ln>
+          </p:spPr>
+          <p:style>
+            <a:lnRef idx="1">
+              <a:schemeClr val="accent1"/>
+            </a:lnRef>
+            <a:fillRef idx="0">
+              <a:schemeClr val="accent1"/>
+            </a:fillRef>
+            <a:effectRef idx="0">
+              <a:schemeClr val="accent1"/>
+            </a:effectRef>
+            <a:fontRef idx="minor">
+              <a:schemeClr val="tx1"/>
+            </a:fontRef>
+          </p:style>
+        </p:cxnSp>
+        <p:sp>
+          <p:nvSpPr>
+            <p:cNvPr id="126" name="직사각형 125"/>
+            <p:cNvSpPr/>
+            <p:nvPr/>
+          </p:nvSpPr>
+          <p:spPr>
+            <a:xfrm>
+              <a:off x="4149967" y="1457491"/>
+              <a:ext cx="794273" cy="344245"/>
+            </a:xfrm>
+            <a:prstGeom prst="rect">
+              <a:avLst/>
+            </a:prstGeom>
+            <a:solidFill>
+              <a:schemeClr val="bg1"/>
+            </a:solidFill>
+            <a:ln>
+              <a:solidFill>
+                <a:schemeClr val="tx1"/>
+              </a:solidFill>
+            </a:ln>
+          </p:spPr>
+          <p:style>
+            <a:lnRef idx="2">
+              <a:schemeClr val="accent6">
+                <a:shade val="50000"/>
+              </a:schemeClr>
+            </a:lnRef>
+            <a:fillRef idx="1">
+              <a:schemeClr val="accent6"/>
+            </a:fillRef>
+            <a:effectRef idx="0">
+              <a:schemeClr val="accent6"/>
+            </a:effectRef>
+            <a:fontRef idx="minor">
+              <a:schemeClr val="lt1"/>
+            </a:fontRef>
+          </p:style>
+          <p:txBody>
+            <a:bodyPr rtlCol="0" anchor="ctr"/>
+            <a:lstStyle/>
+            <a:p>
+              <a:pPr algn="ctr"/>
+              <a:r>
+                <a:rPr lang="ko-KR" altLang="en-US" sz="1100" b="1" dirty="0" smtClean="0">
+                  <a:solidFill>
+                    <a:schemeClr val="tx1"/>
+                  </a:solidFill>
+                </a:rPr>
+                <a:t>저장 슬롯</a:t>
+              </a:r>
+              <a:endParaRPr lang="ko-KR" altLang="en-US" sz="1100" b="1" dirty="0">
+                <a:solidFill>
+                  <a:schemeClr val="tx1"/>
+                </a:solidFill>
+              </a:endParaRPr>
+            </a:p>
+          </p:txBody>
+        </p:sp>
+        <p:cxnSp>
+          <p:nvCxnSpPr>
+            <p:cNvPr id="130" name="직선 화살표 연결선 129"/>
+            <p:cNvCxnSpPr/>
+            <p:nvPr/>
+          </p:nvCxnSpPr>
+          <p:spPr>
+            <a:xfrm flipV="1">
+              <a:off x="4547104" y="1068613"/>
+              <a:ext cx="0" cy="369298"/>
+            </a:xfrm>
+            <a:prstGeom prst="straightConnector1">
+              <a:avLst/>
+            </a:prstGeom>
+            <a:ln>
+              <a:solidFill>
+                <a:schemeClr val="tx1"/>
+              </a:solidFill>
+              <a:tailEnd type="triangle"/>
+            </a:ln>
+          </p:spPr>
+          <p:style>
+            <a:lnRef idx="1">
+              <a:schemeClr val="accent1"/>
+            </a:lnRef>
+            <a:fillRef idx="0">
+              <a:schemeClr val="accent1"/>
+            </a:fillRef>
+            <a:effectRef idx="0">
+              <a:schemeClr val="accent1"/>
+            </a:effectRef>
+            <a:fontRef idx="minor">
+              <a:schemeClr val="tx1"/>
+            </a:fontRef>
+          </p:style>
+        </p:cxnSp>
+        <p:sp>
+          <p:nvSpPr>
+            <p:cNvPr id="131" name="직사각형 130"/>
+            <p:cNvSpPr/>
+            <p:nvPr/>
+          </p:nvSpPr>
+          <p:spPr>
+            <a:xfrm>
+              <a:off x="4138096" y="4337229"/>
+              <a:ext cx="794273" cy="344245"/>
+            </a:xfrm>
+            <a:prstGeom prst="rect">
+              <a:avLst/>
+            </a:prstGeom>
+            <a:solidFill>
+              <a:schemeClr val="bg1"/>
+            </a:solidFill>
+            <a:ln>
+              <a:solidFill>
+                <a:schemeClr val="tx1"/>
+              </a:solidFill>
+            </a:ln>
+          </p:spPr>
+          <p:style>
+            <a:lnRef idx="2">
+              <a:schemeClr val="accent6">
+                <a:shade val="50000"/>
+              </a:schemeClr>
+            </a:lnRef>
+            <a:fillRef idx="1">
+              <a:schemeClr val="accent6"/>
+            </a:fillRef>
+            <a:effectRef idx="0">
+              <a:schemeClr val="accent6"/>
+            </a:effectRef>
+            <a:fontRef idx="minor">
+              <a:schemeClr val="lt1"/>
+            </a:fontRef>
+          </p:style>
+          <p:txBody>
+            <a:bodyPr rtlCol="0" anchor="ctr"/>
+            <a:lstStyle/>
+            <a:p>
+              <a:pPr algn="ctr"/>
+              <a:r>
+                <a:rPr lang="ko-KR" altLang="en-US" sz="1100" b="1" dirty="0" smtClean="0">
+                  <a:solidFill>
+                    <a:schemeClr val="tx1"/>
+                  </a:solidFill>
+                </a:rPr>
+                <a:t>저장 슬롯</a:t>
+              </a:r>
+              <a:endParaRPr lang="ko-KR" altLang="en-US" sz="1100" b="1" dirty="0">
+                <a:solidFill>
+                  <a:schemeClr val="tx1"/>
+                </a:solidFill>
+              </a:endParaRPr>
+            </a:p>
+          </p:txBody>
+        </p:sp>
+        <p:cxnSp>
+          <p:nvCxnSpPr>
+            <p:cNvPr id="134" name="직선 화살표 연결선 133"/>
+            <p:cNvCxnSpPr/>
+            <p:nvPr/>
+          </p:nvCxnSpPr>
+          <p:spPr>
+            <a:xfrm>
+              <a:off x="4547101" y="3967931"/>
+              <a:ext cx="0" cy="369298"/>
+            </a:xfrm>
+            <a:prstGeom prst="straightConnector1">
+              <a:avLst/>
+            </a:prstGeom>
+            <a:ln>
+              <a:solidFill>
+                <a:schemeClr val="tx1"/>
+              </a:solidFill>
+              <a:tailEnd type="triangle"/>
+            </a:ln>
+          </p:spPr>
+          <p:style>
+            <a:lnRef idx="1">
+              <a:schemeClr val="accent1"/>
+            </a:lnRef>
+            <a:fillRef idx="0">
+              <a:schemeClr val="accent1"/>
+            </a:fillRef>
+            <a:effectRef idx="0">
+              <a:schemeClr val="accent1"/>
+            </a:effectRef>
+            <a:fontRef idx="minor">
+              <a:schemeClr val="tx1"/>
+            </a:fontRef>
+          </p:style>
+        </p:cxnSp>
+        <p:sp>
+          <p:nvSpPr>
+            <p:cNvPr id="135" name="직사각형 134"/>
+            <p:cNvSpPr/>
+            <p:nvPr/>
+          </p:nvSpPr>
+          <p:spPr>
+            <a:xfrm>
+              <a:off x="4158402" y="6129507"/>
+              <a:ext cx="794273" cy="344245"/>
+            </a:xfrm>
+            <a:prstGeom prst="rect">
+              <a:avLst/>
+            </a:prstGeom>
+            <a:solidFill>
+              <a:schemeClr val="bg1"/>
+            </a:solidFill>
+            <a:ln>
+              <a:solidFill>
+                <a:schemeClr val="tx1"/>
+              </a:solidFill>
+            </a:ln>
+          </p:spPr>
+          <p:style>
+            <a:lnRef idx="2">
+              <a:schemeClr val="accent6">
+                <a:shade val="50000"/>
+              </a:schemeClr>
+            </a:lnRef>
+            <a:fillRef idx="1">
+              <a:schemeClr val="accent6"/>
+            </a:fillRef>
+            <a:effectRef idx="0">
+              <a:schemeClr val="accent6"/>
+            </a:effectRef>
+            <a:fontRef idx="minor">
+              <a:schemeClr val="lt1"/>
+            </a:fontRef>
+          </p:style>
+          <p:txBody>
+            <a:bodyPr rtlCol="0" anchor="ctr"/>
+            <a:lstStyle/>
+            <a:p>
+              <a:pPr algn="ctr"/>
+              <a:r>
+                <a:rPr lang="ko-KR" altLang="en-US" sz="1100" b="1" dirty="0" smtClean="0">
+                  <a:solidFill>
+                    <a:schemeClr val="tx1"/>
+                  </a:solidFill>
+                </a:rPr>
+                <a:t>슬롯 선택</a:t>
+              </a:r>
+              <a:endParaRPr lang="ko-KR" altLang="en-US" sz="1100" b="1" dirty="0">
+                <a:solidFill>
+                  <a:schemeClr val="tx1"/>
+                </a:solidFill>
+              </a:endParaRPr>
+            </a:p>
+          </p:txBody>
+        </p:sp>
+        <p:cxnSp>
+          <p:nvCxnSpPr>
+            <p:cNvPr id="137" name="직선 화살표 연결선 136"/>
+            <p:cNvCxnSpPr>
+              <a:stCxn id="156" idx="2"/>
+              <a:endCxn id="135" idx="0"/>
+            </p:cNvCxnSpPr>
+            <p:nvPr/>
+          </p:nvCxnSpPr>
+          <p:spPr>
+            <a:xfrm flipH="1">
+              <a:off x="4555539" y="5724965"/>
+              <a:ext cx="1" cy="404542"/>
+            </a:xfrm>
+            <a:prstGeom prst="straightConnector1">
+              <a:avLst/>
+            </a:prstGeom>
+            <a:ln>
+              <a:solidFill>
+                <a:schemeClr val="accent1"/>
+              </a:solidFill>
+              <a:tailEnd type="triangle"/>
+            </a:ln>
+          </p:spPr>
+          <p:style>
+            <a:lnRef idx="1">
+              <a:schemeClr val="accent1"/>
+            </a:lnRef>
+            <a:fillRef idx="0">
+              <a:schemeClr val="accent1"/>
+            </a:fillRef>
+            <a:effectRef idx="0">
+              <a:schemeClr val="accent1"/>
+            </a:effectRef>
+            <a:fontRef idx="minor">
+              <a:schemeClr val="tx1"/>
+            </a:fontRef>
+          </p:style>
+        </p:cxnSp>
+        <p:cxnSp>
+          <p:nvCxnSpPr>
+            <p:cNvPr id="62" name="꺾인 연결선 61"/>
+            <p:cNvCxnSpPr>
+              <a:stCxn id="156" idx="1"/>
+              <a:endCxn id="131" idx="1"/>
+            </p:cNvCxnSpPr>
+            <p:nvPr/>
+          </p:nvCxnSpPr>
+          <p:spPr>
+            <a:xfrm rot="10800000" flipH="1">
+              <a:off x="4047760" y="4509353"/>
+              <a:ext cx="90335" cy="878517"/>
+            </a:xfrm>
+            <a:prstGeom prst="bentConnector3">
+              <a:avLst>
+                <a:gd name="adj1" fmla="val -253058"/>
+              </a:avLst>
             </a:prstGeom>
             <a:ln>
               <a:solidFill>
@@ -3550,13 +6365,13 @@
         </p:cxnSp>
         <p:sp>
           <p:nvSpPr>
-            <p:cNvPr id="119" name="TextBox 118"/>
+            <p:cNvPr id="147" name="TextBox 146"/>
             <p:cNvSpPr txBox="1"/>
             <p:nvPr/>
           </p:nvSpPr>
           <p:spPr>
             <a:xfrm>
-              <a:off x="8830319" y="4531686"/>
+              <a:off x="3525482" y="4821759"/>
               <a:ext cx="391575" cy="230832"/>
             </a:xfrm>
             <a:prstGeom prst="rect">
@@ -3586,67 +6401,23 @@
             </a:p>
           </p:txBody>
         </p:sp>
-        <p:sp>
-          <p:nvSpPr>
-            <p:cNvPr id="120" name="직사각형 119"/>
-            <p:cNvSpPr/>
-            <p:nvPr/>
-          </p:nvSpPr>
-          <p:spPr>
-            <a:xfrm>
-              <a:off x="8468283" y="4852276"/>
-              <a:ext cx="794273" cy="344245"/>
-            </a:xfrm>
-            <a:prstGeom prst="rect">
-              <a:avLst/>
-            </a:prstGeom>
-          </p:spPr>
-          <p:style>
-            <a:lnRef idx="2">
-              <a:schemeClr val="dk1"/>
-            </a:lnRef>
-            <a:fillRef idx="1">
-              <a:schemeClr val="lt1"/>
-            </a:fillRef>
-            <a:effectRef idx="0">
-              <a:schemeClr val="dk1"/>
-            </a:effectRef>
-            <a:fontRef idx="minor">
-              <a:schemeClr val="dk1"/>
-            </a:fontRef>
-          </p:style>
-          <p:txBody>
-            <a:bodyPr rtlCol="0" anchor="ctr"/>
-            <a:lstStyle/>
-            <a:p>
-              <a:pPr algn="ctr"/>
-              <a:r>
-                <a:rPr lang="ko-KR" altLang="en-US" sz="1100" b="1" dirty="0" smtClean="0"/>
-                <a:t>게임 오버</a:t>
-              </a:r>
-              <a:endParaRPr lang="ko-KR" altLang="en-US" sz="1100" b="1" dirty="0"/>
-            </a:p>
-          </p:txBody>
-        </p:sp>
         <p:cxnSp>
           <p:nvCxnSpPr>
-            <p:cNvPr id="19" name="꺾인 연결선 18"/>
-            <p:cNvCxnSpPr>
-              <a:stCxn id="117" idx="2"/>
-            </p:cNvCxnSpPr>
+            <p:cNvPr id="85" name="직선 연결선 84"/>
+            <p:cNvCxnSpPr/>
             <p:nvPr/>
           </p:nvCxnSpPr>
           <p:spPr>
-            <a:xfrm rot="5400000">
-              <a:off x="6858238" y="2717373"/>
-              <a:ext cx="1498381" cy="5032031"/>
+            <a:xfrm flipH="1">
+              <a:off x="3931402" y="3680836"/>
+              <a:ext cx="210528" cy="0"/>
             </a:xfrm>
-            <a:prstGeom prst="bentConnector2">
+            <a:prstGeom prst="line">
               <a:avLst/>
             </a:prstGeom>
             <a:ln>
               <a:solidFill>
-                <a:schemeClr val="tx1"/>
+                <a:srgbClr val="FF0000"/>
               </a:solidFill>
             </a:ln>
           </p:spPr>
@@ -3667,16 +6438,500 @@
         </p:cxnSp>
         <p:cxnSp>
           <p:nvCxnSpPr>
-            <p:cNvPr id="123" name="직선 화살표 연결선 122"/>
+            <p:cNvPr id="95" name="직선 연결선 94"/>
+            <p:cNvCxnSpPr/>
+            <p:nvPr/>
+          </p:nvCxnSpPr>
+          <p:spPr>
+            <a:xfrm flipV="1">
+              <a:off x="3931402" y="3187787"/>
+              <a:ext cx="0" cy="493049"/>
+            </a:xfrm>
+            <a:prstGeom prst="line">
+              <a:avLst/>
+            </a:prstGeom>
+            <a:ln>
+              <a:solidFill>
+                <a:srgbClr val="FF0000"/>
+              </a:solidFill>
+            </a:ln>
+          </p:spPr>
+          <p:style>
+            <a:lnRef idx="1">
+              <a:schemeClr val="accent1"/>
+            </a:lnRef>
+            <a:fillRef idx="0">
+              <a:schemeClr val="accent1"/>
+            </a:fillRef>
+            <a:effectRef idx="0">
+              <a:schemeClr val="accent1"/>
+            </a:effectRef>
+            <a:fontRef idx="minor">
+              <a:schemeClr val="tx1"/>
+            </a:fontRef>
+          </p:style>
+        </p:cxnSp>
+        <p:cxnSp>
+          <p:nvCxnSpPr>
+            <p:cNvPr id="98" name="직선 화살표 연결선 97"/>
+            <p:cNvCxnSpPr/>
+            <p:nvPr/>
+          </p:nvCxnSpPr>
+          <p:spPr>
+            <a:xfrm>
+              <a:off x="3931402" y="3187787"/>
+              <a:ext cx="218558" cy="0"/>
+            </a:xfrm>
+            <a:prstGeom prst="straightConnector1">
+              <a:avLst/>
+            </a:prstGeom>
+            <a:ln>
+              <a:solidFill>
+                <a:srgbClr val="FF0000"/>
+              </a:solidFill>
+              <a:tailEnd type="triangle"/>
+            </a:ln>
+          </p:spPr>
+          <p:style>
+            <a:lnRef idx="1">
+              <a:schemeClr val="accent1"/>
+            </a:lnRef>
+            <a:fillRef idx="0">
+              <a:schemeClr val="accent1"/>
+            </a:fillRef>
+            <a:effectRef idx="0">
+              <a:schemeClr val="accent1"/>
+            </a:effectRef>
+            <a:fontRef idx="minor">
+              <a:schemeClr val="tx1"/>
+            </a:fontRef>
+          </p:style>
+        </p:cxnSp>
+        <p:sp>
+          <p:nvSpPr>
+            <p:cNvPr id="161" name="TextBox 160"/>
+            <p:cNvSpPr txBox="1"/>
+            <p:nvPr/>
+          </p:nvSpPr>
+          <p:spPr>
+            <a:xfrm>
+              <a:off x="3677323" y="3323540"/>
+              <a:ext cx="391575" cy="230832"/>
+            </a:xfrm>
+            <a:prstGeom prst="rect">
+              <a:avLst/>
+            </a:prstGeom>
+            <a:noFill/>
+          </p:spPr>
+          <p:txBody>
+            <a:bodyPr wrap="square" rtlCol="0">
+              <a:spAutoFit/>
+            </a:bodyPr>
+            <a:lstStyle/>
+            <a:p>
+              <a:r>
+                <a:rPr lang="en-US" altLang="ko-KR" sz="900" dirty="0" smtClean="0">
+                  <a:solidFill>
+                    <a:srgbClr val="FF0000"/>
+                  </a:solidFill>
+                </a:rPr>
+                <a:t>No</a:t>
+              </a:r>
+              <a:endParaRPr lang="ko-KR" altLang="en-US" sz="900" dirty="0">
+                <a:solidFill>
+                  <a:srgbClr val="FF0000"/>
+                </a:solidFill>
+              </a:endParaRPr>
+            </a:p>
+          </p:txBody>
+        </p:sp>
+        <p:cxnSp>
+          <p:nvCxnSpPr>
+            <p:cNvPr id="100" name="꺾인 연결선 99"/>
             <p:cNvCxnSpPr>
-              <a:endCxn id="107" idx="2"/>
+              <a:stCxn id="135" idx="2"/>
+              <a:endCxn id="67" idx="2"/>
             </p:cNvCxnSpPr>
             <p:nvPr/>
           </p:nvCxnSpPr>
           <p:spPr>
+            <a:xfrm rot="5400000" flipH="1">
+              <a:off x="1710237" y="3628451"/>
+              <a:ext cx="3219363" cy="2471241"/>
+            </a:xfrm>
+            <a:prstGeom prst="bentConnector3">
+              <a:avLst>
+                <a:gd name="adj1" fmla="val -9468"/>
+              </a:avLst>
+            </a:prstGeom>
+            <a:ln>
+              <a:tailEnd type="triangle"/>
+            </a:ln>
+          </p:spPr>
+          <p:style>
+            <a:lnRef idx="1">
+              <a:schemeClr val="accent1"/>
+            </a:lnRef>
+            <a:fillRef idx="0">
+              <a:schemeClr val="accent1"/>
+            </a:fillRef>
+            <a:effectRef idx="0">
+              <a:schemeClr val="accent1"/>
+            </a:effectRef>
+            <a:fontRef idx="minor">
+              <a:schemeClr val="tx1"/>
+            </a:fontRef>
+          </p:style>
+        </p:cxnSp>
+        <p:sp>
+          <p:nvSpPr>
+            <p:cNvPr id="164" name="TextBox 163"/>
+            <p:cNvSpPr txBox="1"/>
+            <p:nvPr/>
+          </p:nvSpPr>
+          <p:spPr>
+            <a:xfrm>
+              <a:off x="3588618" y="6501899"/>
+              <a:ext cx="1025023" cy="230832"/>
+            </a:xfrm>
+            <a:prstGeom prst="rect">
+              <a:avLst/>
+            </a:prstGeom>
+            <a:noFill/>
+          </p:spPr>
+          <p:txBody>
+            <a:bodyPr wrap="square" rtlCol="0">
+              <a:spAutoFit/>
+            </a:bodyPr>
+            <a:lstStyle/>
+            <a:p>
+              <a:r>
+                <a:rPr lang="ko-KR" altLang="en-US" sz="900" b="1" dirty="0" smtClean="0"/>
+                <a:t>저장 슬롯 </a:t>
+              </a:r>
+              <a:r>
+                <a:rPr lang="en-US" altLang="ko-KR" sz="900" b="1" dirty="0" smtClean="0"/>
+                <a:t>1 ~ 5</a:t>
+              </a:r>
+            </a:p>
+          </p:txBody>
+        </p:sp>
+        <p:sp>
+          <p:nvSpPr>
+            <p:cNvPr id="180" name="TextBox 179"/>
+            <p:cNvSpPr txBox="1"/>
+            <p:nvPr/>
+          </p:nvSpPr>
+          <p:spPr>
+            <a:xfrm>
+              <a:off x="4222066" y="5749958"/>
+              <a:ext cx="391575" cy="230832"/>
+            </a:xfrm>
+            <a:prstGeom prst="rect">
+              <a:avLst/>
+            </a:prstGeom>
+            <a:noFill/>
+          </p:spPr>
+          <p:txBody>
+            <a:bodyPr wrap="square" rtlCol="0">
+              <a:spAutoFit/>
+            </a:bodyPr>
+            <a:lstStyle/>
+            <a:p>
+              <a:r>
+                <a:rPr lang="en-US" altLang="ko-KR" sz="900" dirty="0" smtClean="0">
+                  <a:solidFill>
+                    <a:schemeClr val="accent1"/>
+                  </a:solidFill>
+                </a:rPr>
+                <a:t>Yes</a:t>
+              </a:r>
+              <a:endParaRPr lang="en-US" altLang="ko-KR" sz="900" dirty="0" smtClean="0">
+                <a:solidFill>
+                  <a:schemeClr val="accent1"/>
+                </a:solidFill>
+              </a:endParaRPr>
+            </a:p>
+          </p:txBody>
+        </p:sp>
+        <p:cxnSp>
+          <p:nvCxnSpPr>
+            <p:cNvPr id="181" name="직선 화살표 연결선 180"/>
+            <p:cNvCxnSpPr/>
+            <p:nvPr/>
+          </p:nvCxnSpPr>
+          <p:spPr>
             <a:xfrm flipV="1">
-              <a:off x="5091412" y="5368643"/>
-              <a:ext cx="1" cy="613936"/>
+              <a:off x="4944240" y="3084333"/>
+              <a:ext cx="437130" cy="1"/>
+            </a:xfrm>
+            <a:prstGeom prst="straightConnector1">
+              <a:avLst/>
+            </a:prstGeom>
+            <a:ln>
+              <a:solidFill>
+                <a:schemeClr val="tx1"/>
+              </a:solidFill>
+              <a:tailEnd type="triangle"/>
+            </a:ln>
+          </p:spPr>
+          <p:style>
+            <a:lnRef idx="1">
+              <a:schemeClr val="accent1"/>
+            </a:lnRef>
+            <a:fillRef idx="0">
+              <a:schemeClr val="accent1"/>
+            </a:fillRef>
+            <a:effectRef idx="0">
+              <a:schemeClr val="accent1"/>
+            </a:effectRef>
+            <a:fontRef idx="minor">
+              <a:schemeClr val="tx1"/>
+            </a:fontRef>
+          </p:style>
+        </p:cxnSp>
+        <p:sp>
+          <p:nvSpPr>
+            <p:cNvPr id="182" name="직사각형 181"/>
+            <p:cNvSpPr/>
+            <p:nvPr/>
+          </p:nvSpPr>
+          <p:spPr>
+            <a:xfrm>
+              <a:off x="5381370" y="2910143"/>
+              <a:ext cx="794273" cy="344245"/>
+            </a:xfrm>
+            <a:prstGeom prst="rect">
+              <a:avLst/>
+            </a:prstGeom>
+            <a:solidFill>
+              <a:schemeClr val="bg1"/>
+            </a:solidFill>
+            <a:ln>
+              <a:solidFill>
+                <a:schemeClr val="tx1"/>
+              </a:solidFill>
+            </a:ln>
+          </p:spPr>
+          <p:style>
+            <a:lnRef idx="2">
+              <a:schemeClr val="accent6">
+                <a:shade val="50000"/>
+              </a:schemeClr>
+            </a:lnRef>
+            <a:fillRef idx="1">
+              <a:schemeClr val="accent6"/>
+            </a:fillRef>
+            <a:effectRef idx="0">
+              <a:schemeClr val="accent6"/>
+            </a:effectRef>
+            <a:fontRef idx="minor">
+              <a:schemeClr val="lt1"/>
+            </a:fontRef>
+          </p:style>
+          <p:txBody>
+            <a:bodyPr rtlCol="0" anchor="ctr"/>
+            <a:lstStyle/>
+            <a:p>
+              <a:pPr algn="ctr"/>
+              <a:r>
+                <a:rPr lang="ko-KR" altLang="en-US" sz="1100" b="1" dirty="0" smtClean="0">
+                  <a:solidFill>
+                    <a:schemeClr val="tx1"/>
+                  </a:solidFill>
+                </a:rPr>
+                <a:t>타이틀로</a:t>
+              </a:r>
+              <a:endParaRPr lang="ko-KR" altLang="en-US" sz="1100" b="1" dirty="0">
+                <a:solidFill>
+                  <a:schemeClr val="tx1"/>
+                </a:solidFill>
+              </a:endParaRPr>
+            </a:p>
+          </p:txBody>
+        </p:sp>
+        <p:cxnSp>
+          <p:nvCxnSpPr>
+            <p:cNvPr id="183" name="직선 화살표 연결선 182"/>
+            <p:cNvCxnSpPr/>
+            <p:nvPr/>
+          </p:nvCxnSpPr>
+          <p:spPr>
+            <a:xfrm flipV="1">
+              <a:off x="6175643" y="3079885"/>
+              <a:ext cx="437130" cy="1"/>
+            </a:xfrm>
+            <a:prstGeom prst="straightConnector1">
+              <a:avLst/>
+            </a:prstGeom>
+            <a:ln>
+              <a:solidFill>
+                <a:schemeClr val="tx1"/>
+              </a:solidFill>
+              <a:tailEnd type="triangle"/>
+            </a:ln>
+          </p:spPr>
+          <p:style>
+            <a:lnRef idx="1">
+              <a:schemeClr val="accent1"/>
+            </a:lnRef>
+            <a:fillRef idx="0">
+              <a:schemeClr val="accent1"/>
+            </a:fillRef>
+            <a:effectRef idx="0">
+              <a:schemeClr val="accent1"/>
+            </a:effectRef>
+            <a:fontRef idx="minor">
+              <a:schemeClr val="tx1"/>
+            </a:fontRef>
+          </p:style>
+        </p:cxnSp>
+        <p:sp>
+          <p:nvSpPr>
+            <p:cNvPr id="185" name="직사각형 184"/>
+            <p:cNvSpPr/>
+            <p:nvPr/>
+          </p:nvSpPr>
+          <p:spPr>
+            <a:xfrm>
+              <a:off x="6612773" y="2914248"/>
+              <a:ext cx="794273" cy="344245"/>
+            </a:xfrm>
+            <a:prstGeom prst="rect">
+              <a:avLst/>
+            </a:prstGeom>
+            <a:solidFill>
+              <a:schemeClr val="bg1"/>
+            </a:solidFill>
+            <a:ln>
+              <a:solidFill>
+                <a:schemeClr val="tx1"/>
+              </a:solidFill>
+            </a:ln>
+          </p:spPr>
+          <p:style>
+            <a:lnRef idx="2">
+              <a:schemeClr val="accent6">
+                <a:shade val="50000"/>
+              </a:schemeClr>
+            </a:lnRef>
+            <a:fillRef idx="1">
+              <a:schemeClr val="accent6"/>
+            </a:fillRef>
+            <a:effectRef idx="0">
+              <a:schemeClr val="accent6"/>
+            </a:effectRef>
+            <a:fontRef idx="minor">
+              <a:schemeClr val="lt1"/>
+            </a:fontRef>
+          </p:style>
+          <p:txBody>
+            <a:bodyPr rtlCol="0" anchor="ctr"/>
+            <a:lstStyle/>
+            <a:p>
+              <a:pPr algn="ctr"/>
+              <a:r>
+                <a:rPr lang="ko-KR" altLang="en-US" sz="1100" b="1" dirty="0" smtClean="0">
+                  <a:solidFill>
+                    <a:schemeClr val="tx1"/>
+                  </a:solidFill>
+                </a:rPr>
+                <a:t>타이틀</a:t>
+              </a:r>
+              <a:endParaRPr lang="en-US" altLang="ko-KR" sz="1100" b="1" dirty="0" smtClean="0">
+                <a:solidFill>
+                  <a:schemeClr val="tx1"/>
+                </a:solidFill>
+              </a:endParaRPr>
+            </a:p>
+            <a:p>
+              <a:pPr algn="ctr"/>
+              <a:r>
+                <a:rPr lang="ko-KR" altLang="en-US" sz="1100" b="1" dirty="0" smtClean="0">
+                  <a:solidFill>
+                    <a:schemeClr val="tx1"/>
+                  </a:solidFill>
+                </a:rPr>
+                <a:t> 팝업</a:t>
+              </a:r>
+              <a:endParaRPr lang="ko-KR" altLang="en-US" sz="1100" b="1" dirty="0">
+                <a:solidFill>
+                  <a:schemeClr val="tx1"/>
+                </a:solidFill>
+              </a:endParaRPr>
+            </a:p>
+          </p:txBody>
+        </p:sp>
+        <p:sp>
+          <p:nvSpPr>
+            <p:cNvPr id="186" name="직사각형 185"/>
+            <p:cNvSpPr/>
+            <p:nvPr/>
+          </p:nvSpPr>
+          <p:spPr>
+            <a:xfrm>
+              <a:off x="455758" y="2907762"/>
+              <a:ext cx="794273" cy="344245"/>
+            </a:xfrm>
+            <a:prstGeom prst="rect">
+              <a:avLst/>
+            </a:prstGeom>
+            <a:solidFill>
+              <a:srgbClr val="92D050"/>
+            </a:solidFill>
+            <a:ln>
+              <a:solidFill>
+                <a:schemeClr val="tx1"/>
+              </a:solidFill>
+            </a:ln>
+          </p:spPr>
+          <p:style>
+            <a:lnRef idx="2">
+              <a:schemeClr val="accent6">
+                <a:shade val="50000"/>
+              </a:schemeClr>
+            </a:lnRef>
+            <a:fillRef idx="1">
+              <a:schemeClr val="accent6"/>
+            </a:fillRef>
+            <a:effectRef idx="0">
+              <a:schemeClr val="accent6"/>
+            </a:effectRef>
+            <a:fontRef idx="minor">
+              <a:schemeClr val="lt1"/>
+            </a:fontRef>
+          </p:style>
+          <p:txBody>
+            <a:bodyPr rtlCol="0" anchor="ctr"/>
+            <a:lstStyle/>
+            <a:p>
+              <a:pPr algn="ctr"/>
+              <a:r>
+                <a:rPr lang="ko-KR" altLang="en-US" sz="1100" b="1" dirty="0" smtClean="0">
+                  <a:solidFill>
+                    <a:schemeClr val="tx1"/>
+                  </a:solidFill>
+                </a:rPr>
+                <a:t>타이틀</a:t>
+              </a:r>
+              <a:endParaRPr lang="ko-KR" altLang="en-US" sz="1100" b="1" dirty="0">
+                <a:solidFill>
+                  <a:schemeClr val="tx1"/>
+                </a:solidFill>
+              </a:endParaRPr>
+            </a:p>
+          </p:txBody>
+        </p:sp>
+        <p:cxnSp>
+          <p:nvCxnSpPr>
+            <p:cNvPr id="187" name="직선 화살표 연결선 186"/>
+            <p:cNvCxnSpPr/>
+            <p:nvPr/>
+          </p:nvCxnSpPr>
+          <p:spPr>
+            <a:xfrm flipV="1">
+              <a:off x="1250031" y="3082266"/>
+              <a:ext cx="437130" cy="1"/>
             </a:xfrm>
             <a:prstGeom prst="straightConnector1">
               <a:avLst/>
@@ -3705,372 +6960,22 @@
         </p:cxnSp>
         <p:cxnSp>
           <p:nvCxnSpPr>
-            <p:cNvPr id="26" name="직선 연결선 25"/>
-            <p:cNvCxnSpPr/>
-            <p:nvPr/>
-          </p:nvCxnSpPr>
-          <p:spPr>
-            <a:xfrm>
-              <a:off x="6329887" y="4484197"/>
-              <a:ext cx="0" cy="712323"/>
-            </a:xfrm>
-            <a:prstGeom prst="line">
-              <a:avLst/>
-            </a:prstGeom>
-            <a:ln>
-              <a:solidFill>
-                <a:srgbClr val="FF0000"/>
-              </a:solidFill>
-            </a:ln>
-          </p:spPr>
-          <p:style>
-            <a:lnRef idx="1">
-              <a:schemeClr val="accent1"/>
-            </a:lnRef>
-            <a:fillRef idx="0">
-              <a:schemeClr val="accent1"/>
-            </a:fillRef>
-            <a:effectRef idx="0">
-              <a:schemeClr val="accent1"/>
-            </a:effectRef>
-            <a:fontRef idx="minor">
-              <a:schemeClr val="tx1"/>
-            </a:fontRef>
-          </p:style>
-        </p:cxnSp>
-        <p:cxnSp>
-          <p:nvCxnSpPr>
-            <p:cNvPr id="125" name="직선 화살표 연결선 124"/>
-            <p:cNvCxnSpPr/>
-            <p:nvPr/>
-          </p:nvCxnSpPr>
-          <p:spPr>
-            <a:xfrm>
-              <a:off x="5488550" y="4312075"/>
-              <a:ext cx="453612" cy="0"/>
-            </a:xfrm>
-            <a:prstGeom prst="straightConnector1">
-              <a:avLst/>
-            </a:prstGeom>
-            <a:ln>
-              <a:solidFill>
-                <a:schemeClr val="accent1"/>
-              </a:solidFill>
-              <a:tailEnd type="triangle"/>
-            </a:ln>
-          </p:spPr>
-          <p:style>
-            <a:lnRef idx="1">
-              <a:schemeClr val="accent1"/>
-            </a:lnRef>
-            <a:fillRef idx="0">
-              <a:schemeClr val="accent1"/>
-            </a:fillRef>
-            <a:effectRef idx="0">
-              <a:schemeClr val="accent1"/>
-            </a:effectRef>
-            <a:fontRef idx="minor">
-              <a:schemeClr val="tx1"/>
-            </a:fontRef>
-          </p:style>
-        </p:cxnSp>
-        <p:sp>
-          <p:nvSpPr>
-            <p:cNvPr id="127" name="TextBox 126"/>
-            <p:cNvSpPr txBox="1"/>
-            <p:nvPr/>
-          </p:nvSpPr>
-          <p:spPr>
-            <a:xfrm>
-              <a:off x="5519421" y="4095888"/>
-              <a:ext cx="398033" cy="230832"/>
-            </a:xfrm>
-            <a:prstGeom prst="rect">
-              <a:avLst/>
-            </a:prstGeom>
-            <a:noFill/>
-          </p:spPr>
-          <p:txBody>
-            <a:bodyPr wrap="square" rtlCol="0">
-              <a:spAutoFit/>
-            </a:bodyPr>
-            <a:lstStyle/>
-            <a:p>
-              <a:r>
-                <a:rPr lang="en-US" altLang="ko-KR" sz="900" dirty="0" smtClean="0">
-                  <a:solidFill>
-                    <a:schemeClr val="accent1"/>
-                  </a:solidFill>
-                </a:rPr>
-                <a:t>Yes</a:t>
-              </a:r>
-              <a:endParaRPr lang="ko-KR" altLang="en-US" sz="900" dirty="0">
-                <a:solidFill>
-                  <a:schemeClr val="accent1"/>
-                </a:solidFill>
-              </a:endParaRPr>
-            </a:p>
-          </p:txBody>
-        </p:sp>
-        <p:cxnSp>
-          <p:nvCxnSpPr>
-            <p:cNvPr id="129" name="직선 화살표 연결선 128"/>
+            <p:cNvPr id="151" name="꺾인 연결선 150"/>
             <p:cNvCxnSpPr>
-              <a:endCxn id="27" idx="2"/>
+              <a:stCxn id="185" idx="0"/>
+              <a:endCxn id="182" idx="0"/>
             </p:cNvCxnSpPr>
             <p:nvPr/>
           </p:nvCxnSpPr>
           <p:spPr>
-            <a:xfrm flipH="1" flipV="1">
-              <a:off x="5091414" y="4484201"/>
-              <a:ext cx="5048" cy="526367"/>
+            <a:xfrm rot="16200000" flipV="1">
+              <a:off x="6392157" y="2296494"/>
+              <a:ext cx="4105" cy="1231403"/>
             </a:xfrm>
-            <a:prstGeom prst="straightConnector1">
-              <a:avLst/>
-            </a:prstGeom>
-            <a:ln>
-              <a:solidFill>
-                <a:schemeClr val="tx1"/>
-              </a:solidFill>
-              <a:tailEnd type="triangle"/>
-            </a:ln>
-          </p:spPr>
-          <p:style>
-            <a:lnRef idx="1">
-              <a:schemeClr val="accent1"/>
-            </a:lnRef>
-            <a:fillRef idx="0">
-              <a:schemeClr val="accent1"/>
-            </a:fillRef>
-            <a:effectRef idx="0">
-              <a:schemeClr val="accent1"/>
-            </a:effectRef>
-            <a:fontRef idx="minor">
-              <a:schemeClr val="tx1"/>
-            </a:fontRef>
-          </p:style>
-        </p:cxnSp>
-        <p:sp>
-          <p:nvSpPr>
-            <p:cNvPr id="128" name="직사각형 127"/>
-            <p:cNvSpPr/>
-            <p:nvPr/>
-          </p:nvSpPr>
-          <p:spPr>
-            <a:xfrm>
-              <a:off x="4694275" y="3284931"/>
-              <a:ext cx="794273" cy="344245"/>
-            </a:xfrm>
-            <a:prstGeom prst="rect">
-              <a:avLst/>
-            </a:prstGeom>
-            <a:solidFill>
-              <a:schemeClr val="accent4">
-                <a:lumMod val="40000"/>
-                <a:lumOff val="60000"/>
-              </a:schemeClr>
-            </a:solidFill>
-          </p:spPr>
-          <p:style>
-            <a:lnRef idx="2">
-              <a:schemeClr val="accent6">
-                <a:shade val="50000"/>
-              </a:schemeClr>
-            </a:lnRef>
-            <a:fillRef idx="1">
-              <a:schemeClr val="accent6"/>
-            </a:fillRef>
-            <a:effectRef idx="0">
-              <a:schemeClr val="accent6"/>
-            </a:effectRef>
-            <a:fontRef idx="minor">
-              <a:schemeClr val="lt1"/>
-            </a:fontRef>
-          </p:style>
-          <p:txBody>
-            <a:bodyPr rtlCol="0" anchor="ctr"/>
-            <a:lstStyle/>
-            <a:p>
-              <a:pPr algn="ctr"/>
-              <a:r>
-                <a:rPr lang="ko-KR" altLang="en-US" sz="1200" b="1" dirty="0" smtClean="0">
-                  <a:solidFill>
-                    <a:schemeClr val="tx1"/>
-                  </a:solidFill>
-                </a:rPr>
-                <a:t>대화</a:t>
-              </a:r>
-              <a:endParaRPr lang="ko-KR" altLang="en-US" sz="1200" b="1" dirty="0">
-                <a:solidFill>
-                  <a:schemeClr val="tx1"/>
-                </a:solidFill>
-              </a:endParaRPr>
-            </a:p>
-          </p:txBody>
-        </p:sp>
-        <p:sp>
-          <p:nvSpPr>
-            <p:cNvPr id="132" name="직사각형 131"/>
-            <p:cNvSpPr/>
-            <p:nvPr/>
-          </p:nvSpPr>
-          <p:spPr>
-            <a:xfrm>
-              <a:off x="5949367" y="3284974"/>
-              <a:ext cx="794273" cy="344245"/>
-            </a:xfrm>
-            <a:prstGeom prst="rect">
-              <a:avLst/>
-            </a:prstGeom>
-          </p:spPr>
-          <p:style>
-            <a:lnRef idx="2">
-              <a:schemeClr val="dk1"/>
-            </a:lnRef>
-            <a:fillRef idx="1">
-              <a:schemeClr val="lt1"/>
-            </a:fillRef>
-            <a:effectRef idx="0">
-              <a:schemeClr val="dk1"/>
-            </a:effectRef>
-            <a:fontRef idx="minor">
-              <a:schemeClr val="dk1"/>
-            </a:fontRef>
-          </p:style>
-          <p:txBody>
-            <a:bodyPr rtlCol="0" anchor="ctr"/>
-            <a:lstStyle/>
-            <a:p>
-              <a:pPr algn="ctr"/>
-              <a:r>
-                <a:rPr lang="ko-KR" altLang="en-US" sz="1100" b="1" dirty="0" smtClean="0"/>
-                <a:t>대화 씬</a:t>
-              </a:r>
-              <a:endParaRPr lang="ko-KR" altLang="en-US" sz="1100" b="1" dirty="0"/>
-            </a:p>
-          </p:txBody>
-        </p:sp>
-        <p:cxnSp>
-          <p:nvCxnSpPr>
-            <p:cNvPr id="133" name="직선 화살표 연결선 132"/>
-            <p:cNvCxnSpPr/>
-            <p:nvPr/>
-          </p:nvCxnSpPr>
-          <p:spPr>
-            <a:xfrm>
-              <a:off x="5491511" y="3445223"/>
-              <a:ext cx="453612" cy="0"/>
-            </a:xfrm>
-            <a:prstGeom prst="straightConnector1">
-              <a:avLst/>
-            </a:prstGeom>
-            <a:ln>
-              <a:solidFill>
-                <a:schemeClr val="tx1"/>
-              </a:solidFill>
-              <a:tailEnd type="triangle"/>
-            </a:ln>
-          </p:spPr>
-          <p:style>
-            <a:lnRef idx="1">
-              <a:schemeClr val="accent1"/>
-            </a:lnRef>
-            <a:fillRef idx="0">
-              <a:schemeClr val="accent1"/>
-            </a:fillRef>
-            <a:effectRef idx="0">
-              <a:schemeClr val="accent1"/>
-            </a:effectRef>
-            <a:fontRef idx="minor">
-              <a:schemeClr val="tx1"/>
-            </a:fontRef>
-          </p:style>
-        </p:cxnSp>
-        <p:cxnSp>
-          <p:nvCxnSpPr>
-            <p:cNvPr id="136" name="직선 연결선 135"/>
-            <p:cNvCxnSpPr/>
-            <p:nvPr/>
-          </p:nvCxnSpPr>
-          <p:spPr>
-            <a:xfrm>
-              <a:off x="6346503" y="2806279"/>
-              <a:ext cx="0" cy="478652"/>
-            </a:xfrm>
-            <a:prstGeom prst="line">
-              <a:avLst/>
-            </a:prstGeom>
-            <a:ln>
-              <a:solidFill>
-                <a:srgbClr val="FF0000"/>
-              </a:solidFill>
-            </a:ln>
-          </p:spPr>
-          <p:style>
-            <a:lnRef idx="1">
-              <a:schemeClr val="accent1"/>
-            </a:lnRef>
-            <a:fillRef idx="0">
-              <a:schemeClr val="accent1"/>
-            </a:fillRef>
-            <a:effectRef idx="0">
-              <a:schemeClr val="accent1"/>
-            </a:effectRef>
-            <a:fontRef idx="minor">
-              <a:schemeClr val="tx1"/>
-            </a:fontRef>
-          </p:style>
-        </p:cxnSp>
-        <p:cxnSp>
-          <p:nvCxnSpPr>
-            <p:cNvPr id="139" name="직선 연결선 138"/>
-            <p:cNvCxnSpPr/>
-            <p:nvPr/>
-          </p:nvCxnSpPr>
-          <p:spPr>
-            <a:xfrm flipH="1">
-              <a:off x="3823565" y="2806279"/>
-              <a:ext cx="2522938" cy="0"/>
-            </a:xfrm>
-            <a:prstGeom prst="line">
-              <a:avLst/>
-            </a:prstGeom>
-            <a:ln>
-              <a:solidFill>
-                <a:srgbClr val="FF0000"/>
-              </a:solidFill>
-            </a:ln>
-          </p:spPr>
-          <p:style>
-            <a:lnRef idx="1">
-              <a:schemeClr val="accent1"/>
-            </a:lnRef>
-            <a:fillRef idx="0">
-              <a:schemeClr val="accent1"/>
-            </a:fillRef>
-            <a:effectRef idx="0">
-              <a:schemeClr val="accent1"/>
-            </a:effectRef>
-            <a:fontRef idx="minor">
-              <a:schemeClr val="tx1"/>
-            </a:fontRef>
-          </p:style>
-        </p:cxnSp>
-        <p:cxnSp>
-          <p:nvCxnSpPr>
-            <p:cNvPr id="142" name="직선 화살표 연결선 141"/>
-            <p:cNvCxnSpPr>
-              <a:endCxn id="27" idx="1"/>
-            </p:cNvCxnSpPr>
-            <p:nvPr/>
-          </p:nvCxnSpPr>
-          <p:spPr>
-            <a:xfrm>
-              <a:off x="3823564" y="4312075"/>
-              <a:ext cx="870713" cy="4"/>
-            </a:xfrm>
-            <a:prstGeom prst="straightConnector1">
-              <a:avLst/>
+            <a:prstGeom prst="bentConnector3">
+              <a:avLst>
+                <a:gd name="adj1" fmla="val 5668819"/>
+              </a:avLst>
             </a:prstGeom>
             <a:ln>
               <a:solidFill>
@@ -4096,14 +7001,14 @@
         </p:cxnSp>
         <p:sp>
           <p:nvSpPr>
-            <p:cNvPr id="146" name="TextBox 145"/>
+            <p:cNvPr id="189" name="TextBox 188"/>
             <p:cNvSpPr txBox="1"/>
             <p:nvPr/>
           </p:nvSpPr>
           <p:spPr>
             <a:xfrm>
-              <a:off x="5968387" y="2830816"/>
-              <a:ext cx="428279" cy="230832"/>
+              <a:off x="6198420" y="2438679"/>
+              <a:ext cx="391575" cy="230832"/>
             </a:xfrm>
             <a:prstGeom prst="rect">
               <a:avLst/>
@@ -4122,7 +7027,7 @@
                     <a:srgbClr val="FF0000"/>
                   </a:solidFill>
                 </a:rPr>
-                <a:t>Skip</a:t>
+                <a:t>No</a:t>
               </a:r>
               <a:endParaRPr lang="ko-KR" altLang="en-US" sz="900" dirty="0">
                 <a:solidFill>
@@ -4132,176 +7037,25 @@
             </a:p>
           </p:txBody>
         </p:sp>
-        <p:sp>
-          <p:nvSpPr>
-            <p:cNvPr id="155" name="직사각형 154"/>
-            <p:cNvSpPr/>
-            <p:nvPr/>
-          </p:nvSpPr>
-          <p:spPr>
-            <a:xfrm>
-              <a:off x="7199408" y="3605637"/>
-              <a:ext cx="794273" cy="344245"/>
-            </a:xfrm>
-            <a:prstGeom prst="rect">
-              <a:avLst/>
-            </a:prstGeom>
-          </p:spPr>
-          <p:style>
-            <a:lnRef idx="2">
-              <a:schemeClr val="dk1"/>
-            </a:lnRef>
-            <a:fillRef idx="1">
-              <a:schemeClr val="lt1"/>
-            </a:fillRef>
-            <a:effectRef idx="0">
-              <a:schemeClr val="dk1"/>
-            </a:effectRef>
-            <a:fontRef idx="minor">
-              <a:schemeClr val="dk1"/>
-            </a:fontRef>
-          </p:style>
-          <p:txBody>
-            <a:bodyPr rtlCol="0" anchor="ctr"/>
-            <a:lstStyle/>
-            <a:p>
-              <a:pPr algn="ctr"/>
-              <a:r>
-                <a:rPr lang="ko-KR" altLang="en-US" sz="1100" b="1" dirty="0" err="1" smtClean="0"/>
-                <a:t>로그창</a:t>
-              </a:r>
-              <a:endParaRPr lang="ko-KR" altLang="en-US" sz="1100" b="1" dirty="0"/>
-            </a:p>
-          </p:txBody>
-        </p:sp>
-        <p:sp>
-          <p:nvSpPr>
-            <p:cNvPr id="163" name="TextBox 162"/>
-            <p:cNvSpPr txBox="1"/>
-            <p:nvPr/>
-          </p:nvSpPr>
-          <p:spPr>
-            <a:xfrm>
-              <a:off x="6572367" y="3723351"/>
-              <a:ext cx="428279" cy="230832"/>
-            </a:xfrm>
-            <a:prstGeom prst="rect">
-              <a:avLst/>
-            </a:prstGeom>
-            <a:noFill/>
-            <a:ln>
-              <a:noFill/>
-            </a:ln>
-          </p:spPr>
-          <p:txBody>
-            <a:bodyPr wrap="square" rtlCol="0">
-              <a:spAutoFit/>
-            </a:bodyPr>
-            <a:lstStyle/>
-            <a:p>
-              <a:r>
-                <a:rPr lang="en-US" altLang="ko-KR" sz="900" dirty="0" smtClean="0">
-                  <a:solidFill>
-                    <a:schemeClr val="accent1"/>
-                  </a:solidFill>
-                </a:rPr>
-                <a:t>Log</a:t>
-              </a:r>
-              <a:endParaRPr lang="ko-KR" altLang="en-US" sz="900" dirty="0">
-                <a:solidFill>
-                  <a:schemeClr val="accent1"/>
-                </a:solidFill>
-              </a:endParaRPr>
-            </a:p>
-          </p:txBody>
-        </p:sp>
         <p:cxnSp>
           <p:nvCxnSpPr>
-            <p:cNvPr id="173" name="직선 화살표 연결선 172"/>
-            <p:cNvCxnSpPr/>
+            <p:cNvPr id="153" name="꺾인 연결선 152"/>
+            <p:cNvCxnSpPr>
+              <a:stCxn id="185" idx="3"/>
+              <a:endCxn id="186" idx="0"/>
+            </p:cNvCxnSpPr>
             <p:nvPr/>
           </p:nvCxnSpPr>
           <p:spPr>
             <a:xfrm flipH="1" flipV="1">
-              <a:off x="5091414" y="3625696"/>
-              <a:ext cx="5048" cy="526367"/>
+              <a:off x="852895" y="2907762"/>
+              <a:ext cx="6554151" cy="178609"/>
             </a:xfrm>
-            <a:prstGeom prst="straightConnector1">
-              <a:avLst/>
-            </a:prstGeom>
-            <a:ln>
-              <a:solidFill>
-                <a:schemeClr val="tx1"/>
-              </a:solidFill>
-              <a:tailEnd type="triangle"/>
-            </a:ln>
-          </p:spPr>
-          <p:style>
-            <a:lnRef idx="1">
-              <a:schemeClr val="accent1"/>
-            </a:lnRef>
-            <a:fillRef idx="0">
-              <a:schemeClr val="accent1"/>
-            </a:fillRef>
-            <a:effectRef idx="0">
-              <a:schemeClr val="accent1"/>
-            </a:effectRef>
-            <a:fontRef idx="minor">
-              <a:schemeClr val="tx1"/>
-            </a:fontRef>
-          </p:style>
-        </p:cxnSp>
-        <p:cxnSp>
-          <p:nvCxnSpPr>
-            <p:cNvPr id="175" name="직선 연결선 174"/>
-            <p:cNvCxnSpPr/>
-            <p:nvPr/>
-          </p:nvCxnSpPr>
-          <p:spPr>
-            <a:xfrm>
-              <a:off x="3819607" y="2806837"/>
-              <a:ext cx="0" cy="1505238"/>
-            </a:xfrm>
-            <a:prstGeom prst="line">
-              <a:avLst/>
-            </a:prstGeom>
-            <a:ln>
-              <a:solidFill>
-                <a:srgbClr val="FF0000"/>
-              </a:solidFill>
-            </a:ln>
-          </p:spPr>
-          <p:style>
-            <a:lnRef idx="1">
-              <a:schemeClr val="accent1"/>
-            </a:lnRef>
-            <a:fillRef idx="0">
-              <a:schemeClr val="accent1"/>
-            </a:fillRef>
-            <a:effectRef idx="0">
-              <a:schemeClr val="accent1"/>
-            </a:effectRef>
-            <a:fontRef idx="minor">
-              <a:schemeClr val="tx1"/>
-            </a:fontRef>
-          </p:style>
-        </p:cxnSp>
-        <p:cxnSp>
-          <p:nvCxnSpPr>
-            <p:cNvPr id="140" name="꺾인 연결선 139"/>
-            <p:cNvCxnSpPr>
-              <a:stCxn id="132" idx="2"/>
-              <a:endCxn id="155" idx="1"/>
-            </p:cNvCxnSpPr>
-            <p:nvPr/>
-          </p:nvCxnSpPr>
-          <p:spPr>
-            <a:xfrm rot="16200000" flipH="1">
-              <a:off x="6698686" y="3277037"/>
-              <a:ext cx="148541" cy="852904"/>
-            </a:xfrm>
-            <a:prstGeom prst="bentConnector2">
-              <a:avLst/>
+            <a:prstGeom prst="bentConnector4">
+              <a:avLst>
+                <a:gd name="adj1" fmla="val -3488"/>
+                <a:gd name="adj2" fmla="val 1581517"/>
+              </a:avLst>
             </a:prstGeom>
             <a:ln>
               <a:tailEnd type="triangle"/>
@@ -4322,378 +7076,16 @@
             </a:fontRef>
           </p:style>
         </p:cxnSp>
-        <p:cxnSp>
-          <p:nvCxnSpPr>
-            <p:cNvPr id="157" name="꺾인 연결선 156"/>
-            <p:cNvCxnSpPr>
-              <a:stCxn id="132" idx="3"/>
-            </p:cNvCxnSpPr>
-            <p:nvPr/>
-          </p:nvCxnSpPr>
-          <p:spPr>
-            <a:xfrm flipH="1" flipV="1">
-              <a:off x="3632200" y="2463800"/>
-              <a:ext cx="3111440" cy="993297"/>
-            </a:xfrm>
-            <a:prstGeom prst="bentConnector3">
-              <a:avLst>
-                <a:gd name="adj1" fmla="val -7347"/>
-              </a:avLst>
-            </a:prstGeom>
-            <a:ln>
-              <a:solidFill>
-                <a:schemeClr val="tx1"/>
-              </a:solidFill>
-            </a:ln>
-          </p:spPr>
-          <p:style>
-            <a:lnRef idx="1">
-              <a:schemeClr val="accent1"/>
-            </a:lnRef>
-            <a:fillRef idx="0">
-              <a:schemeClr val="accent1"/>
-            </a:fillRef>
-            <a:effectRef idx="0">
-              <a:schemeClr val="accent1"/>
-            </a:effectRef>
-            <a:fontRef idx="minor">
-              <a:schemeClr val="tx1"/>
-            </a:fontRef>
-          </p:style>
-        </p:cxnSp>
-        <p:cxnSp>
-          <p:nvCxnSpPr>
-            <p:cNvPr id="160" name="직선 연결선 159"/>
-            <p:cNvCxnSpPr/>
-            <p:nvPr/>
-          </p:nvCxnSpPr>
-          <p:spPr>
-            <a:xfrm flipH="1">
-              <a:off x="3616253" y="2463800"/>
-              <a:ext cx="13558" cy="2020397"/>
-            </a:xfrm>
-            <a:prstGeom prst="line">
-              <a:avLst/>
-            </a:prstGeom>
-            <a:ln>
-              <a:solidFill>
-                <a:schemeClr val="tx1"/>
-              </a:solidFill>
-            </a:ln>
-          </p:spPr>
-          <p:style>
-            <a:lnRef idx="1">
-              <a:schemeClr val="accent1"/>
-            </a:lnRef>
-            <a:fillRef idx="0">
-              <a:schemeClr val="accent1"/>
-            </a:fillRef>
-            <a:effectRef idx="0">
-              <a:schemeClr val="accent1"/>
-            </a:effectRef>
-            <a:fontRef idx="minor">
-              <a:schemeClr val="tx1"/>
-            </a:fontRef>
-          </p:style>
-        </p:cxnSp>
-        <p:cxnSp>
-          <p:nvCxnSpPr>
-            <p:cNvPr id="165" name="직선 화살표 연결선 164"/>
-            <p:cNvCxnSpPr/>
-            <p:nvPr/>
-          </p:nvCxnSpPr>
-          <p:spPr>
-            <a:xfrm>
-              <a:off x="3612096" y="4484197"/>
-              <a:ext cx="1082968" cy="0"/>
-            </a:xfrm>
-            <a:prstGeom prst="straightConnector1">
-              <a:avLst/>
-            </a:prstGeom>
-            <a:ln>
-              <a:solidFill>
-                <a:schemeClr val="tx1"/>
-              </a:solidFill>
-              <a:tailEnd type="triangle"/>
-            </a:ln>
-          </p:spPr>
-          <p:style>
-            <a:lnRef idx="1">
-              <a:schemeClr val="accent1"/>
-            </a:lnRef>
-            <a:fillRef idx="0">
-              <a:schemeClr val="accent1"/>
-            </a:fillRef>
-            <a:effectRef idx="0">
-              <a:schemeClr val="accent1"/>
-            </a:effectRef>
-            <a:fontRef idx="minor">
-              <a:schemeClr val="tx1"/>
-            </a:fontRef>
-          </p:style>
-        </p:cxnSp>
         <p:sp>
           <p:nvSpPr>
-            <p:cNvPr id="196" name="직사각형 195"/>
-            <p:cNvSpPr/>
-            <p:nvPr/>
-          </p:nvSpPr>
-          <p:spPr>
-            <a:xfrm>
-              <a:off x="4687897" y="1950228"/>
-              <a:ext cx="794273" cy="344245"/>
-            </a:xfrm>
-            <a:prstGeom prst="rect">
-              <a:avLst/>
-            </a:prstGeom>
-            <a:solidFill>
-              <a:schemeClr val="accent4">
-                <a:lumMod val="40000"/>
-                <a:lumOff val="60000"/>
-              </a:schemeClr>
-            </a:solidFill>
-          </p:spPr>
-          <p:style>
-            <a:lnRef idx="2">
-              <a:schemeClr val="accent6">
-                <a:shade val="50000"/>
-              </a:schemeClr>
-            </a:lnRef>
-            <a:fillRef idx="1">
-              <a:schemeClr val="accent6"/>
-            </a:fillRef>
-            <a:effectRef idx="0">
-              <a:schemeClr val="accent6"/>
-            </a:effectRef>
-            <a:fontRef idx="minor">
-              <a:schemeClr val="lt1"/>
-            </a:fontRef>
-          </p:style>
-          <p:txBody>
-            <a:bodyPr rtlCol="0" anchor="ctr"/>
-            <a:lstStyle/>
-            <a:p>
-              <a:pPr algn="ctr"/>
-              <a:r>
-                <a:rPr lang="ko-KR" altLang="en-US" sz="1200" b="1" dirty="0" smtClean="0">
-                  <a:solidFill>
-                    <a:schemeClr val="tx1"/>
-                  </a:solidFill>
-                </a:rPr>
-                <a:t>추리</a:t>
-              </a:r>
-              <a:endParaRPr lang="ko-KR" altLang="en-US" sz="1200" b="1" dirty="0">
-                <a:solidFill>
-                  <a:schemeClr val="tx1"/>
-                </a:solidFill>
-              </a:endParaRPr>
-            </a:p>
-          </p:txBody>
-        </p:sp>
-        <p:cxnSp>
-          <p:nvCxnSpPr>
-            <p:cNvPr id="197" name="직선 화살표 연결선 196"/>
-            <p:cNvCxnSpPr>
-              <a:stCxn id="128" idx="0"/>
-            </p:cNvCxnSpPr>
-            <p:nvPr/>
-          </p:nvCxnSpPr>
-          <p:spPr>
-            <a:xfrm flipV="1">
-              <a:off x="5091412" y="2306622"/>
-              <a:ext cx="5050" cy="978309"/>
-            </a:xfrm>
-            <a:prstGeom prst="straightConnector1">
-              <a:avLst/>
-            </a:prstGeom>
-            <a:ln>
-              <a:solidFill>
-                <a:schemeClr val="tx1"/>
-              </a:solidFill>
-              <a:tailEnd type="triangle"/>
-            </a:ln>
-          </p:spPr>
-          <p:style>
-            <a:lnRef idx="1">
-              <a:schemeClr val="accent1"/>
-            </a:lnRef>
-            <a:fillRef idx="0">
-              <a:schemeClr val="accent1"/>
-            </a:fillRef>
-            <a:effectRef idx="0">
-              <a:schemeClr val="accent1"/>
-            </a:effectRef>
-            <a:fontRef idx="minor">
-              <a:schemeClr val="tx1"/>
-            </a:fontRef>
-          </p:style>
-        </p:cxnSp>
-        <p:sp>
-          <p:nvSpPr>
-            <p:cNvPr id="199" name="직사각형 198"/>
-            <p:cNvSpPr/>
-            <p:nvPr/>
-          </p:nvSpPr>
-          <p:spPr>
-            <a:xfrm>
-              <a:off x="5949367" y="1961438"/>
-              <a:ext cx="794273" cy="344245"/>
-            </a:xfrm>
-            <a:prstGeom prst="rect">
-              <a:avLst/>
-            </a:prstGeom>
-          </p:spPr>
-          <p:style>
-            <a:lnRef idx="2">
-              <a:schemeClr val="dk1"/>
-            </a:lnRef>
-            <a:fillRef idx="1">
-              <a:schemeClr val="lt1"/>
-            </a:fillRef>
-            <a:effectRef idx="0">
-              <a:schemeClr val="dk1"/>
-            </a:effectRef>
-            <a:fontRef idx="minor">
-              <a:schemeClr val="dk1"/>
-            </a:fontRef>
-          </p:style>
-          <p:txBody>
-            <a:bodyPr rtlCol="0" anchor="ctr"/>
-            <a:lstStyle/>
-            <a:p>
-              <a:pPr algn="ctr"/>
-              <a:r>
-                <a:rPr lang="ko-KR" altLang="en-US" sz="1100" b="1" smtClean="0"/>
-                <a:t>추리 씬</a:t>
-              </a:r>
-              <a:endParaRPr lang="ko-KR" altLang="en-US" sz="1100" b="1" dirty="0"/>
-            </a:p>
-          </p:txBody>
-        </p:sp>
-        <p:cxnSp>
-          <p:nvCxnSpPr>
-            <p:cNvPr id="200" name="직선 화살표 연결선 199"/>
-            <p:cNvCxnSpPr/>
-            <p:nvPr/>
-          </p:nvCxnSpPr>
-          <p:spPr>
-            <a:xfrm>
-              <a:off x="5488548" y="2122350"/>
-              <a:ext cx="453612" cy="0"/>
-            </a:xfrm>
-            <a:prstGeom prst="straightConnector1">
-              <a:avLst/>
-            </a:prstGeom>
-            <a:ln>
-              <a:solidFill>
-                <a:schemeClr val="tx1"/>
-              </a:solidFill>
-              <a:tailEnd type="triangle"/>
-            </a:ln>
-          </p:spPr>
-          <p:style>
-            <a:lnRef idx="1">
-              <a:schemeClr val="accent1"/>
-            </a:lnRef>
-            <a:fillRef idx="0">
-              <a:schemeClr val="accent1"/>
-            </a:fillRef>
-            <a:effectRef idx="0">
-              <a:schemeClr val="accent1"/>
-            </a:effectRef>
-            <a:fontRef idx="minor">
-              <a:schemeClr val="tx1"/>
-            </a:fontRef>
-          </p:style>
-        </p:cxnSp>
-        <p:sp>
-          <p:nvSpPr>
-            <p:cNvPr id="204" name="직사각형 203"/>
-            <p:cNvSpPr/>
-            <p:nvPr/>
-          </p:nvSpPr>
-          <p:spPr>
-            <a:xfrm>
-              <a:off x="7206615" y="1961438"/>
-              <a:ext cx="794273" cy="344245"/>
-            </a:xfrm>
-            <a:prstGeom prst="rect">
-              <a:avLst/>
-            </a:prstGeom>
-          </p:spPr>
-          <p:style>
-            <a:lnRef idx="2">
-              <a:schemeClr val="dk1"/>
-            </a:lnRef>
-            <a:fillRef idx="1">
-              <a:schemeClr val="lt1"/>
-            </a:fillRef>
-            <a:effectRef idx="0">
-              <a:schemeClr val="dk1"/>
-            </a:effectRef>
-            <a:fontRef idx="minor">
-              <a:schemeClr val="dk1"/>
-            </a:fontRef>
-          </p:style>
-          <p:txBody>
-            <a:bodyPr rtlCol="0" anchor="ctr"/>
-            <a:lstStyle/>
-            <a:p>
-              <a:pPr algn="ctr"/>
-              <a:r>
-                <a:rPr lang="ko-KR" altLang="en-US" sz="1100" b="1" dirty="0" smtClean="0"/>
-                <a:t>증거 선택</a:t>
-              </a:r>
-              <a:endParaRPr lang="ko-KR" altLang="en-US" sz="1100" b="1" dirty="0"/>
-            </a:p>
-          </p:txBody>
-        </p:sp>
-        <p:cxnSp>
-          <p:nvCxnSpPr>
-            <p:cNvPr id="206" name="직선 화살표 연결선 205"/>
-            <p:cNvCxnSpPr/>
-            <p:nvPr/>
-          </p:nvCxnSpPr>
-          <p:spPr>
-            <a:xfrm>
-              <a:off x="6745796" y="2122350"/>
-              <a:ext cx="453612" cy="0"/>
-            </a:xfrm>
-            <a:prstGeom prst="straightConnector1">
-              <a:avLst/>
-            </a:prstGeom>
-            <a:ln>
-              <a:solidFill>
-                <a:schemeClr val="tx1"/>
-              </a:solidFill>
-              <a:tailEnd type="triangle"/>
-            </a:ln>
-          </p:spPr>
-          <p:style>
-            <a:lnRef idx="1">
-              <a:schemeClr val="accent1"/>
-            </a:lnRef>
-            <a:fillRef idx="0">
-              <a:schemeClr val="accent1"/>
-            </a:fillRef>
-            <a:effectRef idx="0">
-              <a:schemeClr val="accent1"/>
-            </a:effectRef>
-            <a:fontRef idx="minor">
-              <a:schemeClr val="tx1"/>
-            </a:fontRef>
-          </p:style>
-        </p:cxnSp>
-        <p:sp>
-          <p:nvSpPr>
-            <p:cNvPr id="208" name="TextBox 207"/>
+            <p:cNvPr id="193" name="TextBox 192"/>
             <p:cNvSpPr txBox="1"/>
             <p:nvPr/>
           </p:nvSpPr>
           <p:spPr>
             <a:xfrm>
-              <a:off x="9283723" y="1902728"/>
-              <a:ext cx="398033" cy="230832"/>
+              <a:off x="7301876" y="896490"/>
+              <a:ext cx="391575" cy="230832"/>
             </a:xfrm>
             <a:prstGeom prst="rect">
               <a:avLst/>
@@ -4724,31 +7116,39 @@
         </p:sp>
         <p:sp>
           <p:nvSpPr>
-            <p:cNvPr id="211" name="직사각형 210"/>
+            <p:cNvPr id="156" name="다이아몬드 155"/>
             <p:cNvSpPr/>
             <p:nvPr/>
           </p:nvSpPr>
           <p:spPr>
             <a:xfrm>
-              <a:off x="8465721" y="1961438"/>
-              <a:ext cx="794273" cy="344245"/>
+              <a:off x="4047761" y="5050772"/>
+              <a:ext cx="1015557" cy="674193"/>
             </a:xfrm>
-            <a:prstGeom prst="rect">
+            <a:prstGeom prst="diamond">
               <a:avLst/>
             </a:prstGeom>
+            <a:noFill/>
+            <a:ln>
+              <a:solidFill>
+                <a:schemeClr val="tx1"/>
+              </a:solidFill>
+            </a:ln>
           </p:spPr>
           <p:style>
             <a:lnRef idx="2">
-              <a:schemeClr val="dk1"/>
+              <a:schemeClr val="accent1">
+                <a:shade val="50000"/>
+              </a:schemeClr>
             </a:lnRef>
             <a:fillRef idx="1">
-              <a:schemeClr val="lt1"/>
+              <a:schemeClr val="accent1"/>
             </a:fillRef>
             <a:effectRef idx="0">
-              <a:schemeClr val="dk1"/>
+              <a:schemeClr val="accent1"/>
             </a:effectRef>
             <a:fontRef idx="minor">
-              <a:schemeClr val="dk1"/>
+              <a:schemeClr val="lt1"/>
             </a:fontRef>
           </p:style>
           <p:txBody>
@@ -4757,23 +7157,34 @@
             <a:p>
               <a:pPr algn="ctr"/>
               <a:r>
-                <a:rPr lang="ko-KR" altLang="en-US" sz="1100" b="1" dirty="0" smtClean="0"/>
-                <a:t>증거 채택</a:t>
+                <a:rPr lang="ko-KR" altLang="en-US" sz="800" b="1" dirty="0" smtClean="0">
+                  <a:solidFill>
+                    <a:schemeClr val="tx1"/>
+                  </a:solidFill>
+                </a:rPr>
+                <a:t>저장 파일이 있는가</a:t>
               </a:r>
-              <a:endParaRPr lang="ko-KR" altLang="en-US" sz="1100" b="1" dirty="0"/>
+              <a:r>
+                <a:rPr lang="en-US" altLang="ko-KR" sz="800" b="1" dirty="0" smtClean="0">
+                  <a:solidFill>
+                    <a:schemeClr val="tx1"/>
+                  </a:solidFill>
+                </a:rPr>
+                <a:t>?</a:t>
+              </a:r>
             </a:p>
           </p:txBody>
         </p:sp>
         <p:cxnSp>
           <p:nvCxnSpPr>
-            <p:cNvPr id="212" name="직선 화살표 연결선 211"/>
+            <p:cNvPr id="198" name="직선 화살표 연결선 197"/>
             <p:cNvCxnSpPr/>
             <p:nvPr/>
           </p:nvCxnSpPr>
           <p:spPr>
             <a:xfrm>
-              <a:off x="8004902" y="2122350"/>
-              <a:ext cx="453612" cy="0"/>
+              <a:off x="4547101" y="4681474"/>
+              <a:ext cx="0" cy="369298"/>
             </a:xfrm>
             <a:prstGeom prst="straightConnector1">
               <a:avLst/>
@@ -4802,94 +7213,13 @@
         </p:cxnSp>
         <p:sp>
           <p:nvSpPr>
-            <p:cNvPr id="214" name="직사각형 213"/>
-            <p:cNvSpPr/>
-            <p:nvPr/>
-          </p:nvSpPr>
-          <p:spPr>
-            <a:xfrm>
-              <a:off x="9726306" y="1965188"/>
-              <a:ext cx="794273" cy="344245"/>
-            </a:xfrm>
-            <a:prstGeom prst="rect">
-              <a:avLst/>
-            </a:prstGeom>
-            <a:solidFill>
-              <a:srgbClr val="92D050"/>
-            </a:solidFill>
-          </p:spPr>
-          <p:style>
-            <a:lnRef idx="2">
-              <a:schemeClr val="dk1"/>
-            </a:lnRef>
-            <a:fillRef idx="1">
-              <a:schemeClr val="lt1"/>
-            </a:fillRef>
-            <a:effectRef idx="0">
-              <a:schemeClr val="dk1"/>
-            </a:effectRef>
-            <a:fontRef idx="minor">
-              <a:schemeClr val="dk1"/>
-            </a:fontRef>
-          </p:style>
-          <p:txBody>
-            <a:bodyPr rtlCol="0" anchor="ctr"/>
-            <a:lstStyle/>
-            <a:p>
-              <a:pPr algn="ctr"/>
-              <a:r>
-                <a:rPr lang="ko-KR" altLang="en-US" sz="1100" b="1" dirty="0" smtClean="0"/>
-                <a:t>보상</a:t>
-              </a:r>
-              <a:endParaRPr lang="ko-KR" altLang="en-US" sz="1100" b="1" dirty="0"/>
-            </a:p>
-          </p:txBody>
-        </p:sp>
-        <p:cxnSp>
-          <p:nvCxnSpPr>
-            <p:cNvPr id="216" name="직선 화살표 연결선 215"/>
-            <p:cNvCxnSpPr/>
-            <p:nvPr/>
-          </p:nvCxnSpPr>
-          <p:spPr>
-            <a:xfrm>
-              <a:off x="9259994" y="2122350"/>
-              <a:ext cx="453612" cy="0"/>
-            </a:xfrm>
-            <a:prstGeom prst="straightConnector1">
-              <a:avLst/>
-            </a:prstGeom>
-            <a:ln>
-              <a:solidFill>
-                <a:schemeClr val="accent1"/>
-              </a:solidFill>
-              <a:tailEnd type="triangle"/>
-            </a:ln>
-          </p:spPr>
-          <p:style>
-            <a:lnRef idx="1">
-              <a:schemeClr val="accent1"/>
-            </a:lnRef>
-            <a:fillRef idx="0">
-              <a:schemeClr val="accent1"/>
-            </a:fillRef>
-            <a:effectRef idx="0">
-              <a:schemeClr val="accent1"/>
-            </a:effectRef>
-            <a:fontRef idx="minor">
-              <a:schemeClr val="tx1"/>
-            </a:fontRef>
-          </p:style>
-        </p:cxnSp>
-        <p:sp>
-          <p:nvSpPr>
-            <p:cNvPr id="217" name="TextBox 216"/>
+            <p:cNvPr id="205" name="TextBox 204"/>
             <p:cNvSpPr txBox="1"/>
             <p:nvPr/>
           </p:nvSpPr>
           <p:spPr>
             <a:xfrm>
-              <a:off x="8485928" y="1673090"/>
+              <a:off x="3285748" y="6545403"/>
               <a:ext cx="391575" cy="230832"/>
             </a:xfrm>
             <a:prstGeom prst="rect">
@@ -4906,313 +7236,249 @@
               <a:r>
                 <a:rPr lang="en-US" altLang="ko-KR" sz="900" dirty="0" smtClean="0">
                   <a:solidFill>
-                    <a:srgbClr val="FF0000"/>
+                    <a:schemeClr val="accent1"/>
                   </a:solidFill>
                 </a:rPr>
-                <a:t>No</a:t>
+                <a:t>Yes</a:t>
               </a:r>
-              <a:endParaRPr lang="ko-KR" altLang="en-US" sz="900" dirty="0">
+              <a:endParaRPr lang="en-US" altLang="ko-KR" sz="900" dirty="0" smtClean="0">
                 <a:solidFill>
-                  <a:srgbClr val="FF0000"/>
+                  <a:schemeClr val="accent1"/>
                 </a:solidFill>
               </a:endParaRPr>
             </a:p>
           </p:txBody>
         </p:sp>
-        <p:sp>
-          <p:nvSpPr>
-            <p:cNvPr id="184" name="TextBox 183"/>
-            <p:cNvSpPr txBox="1"/>
-            <p:nvPr/>
-          </p:nvSpPr>
-          <p:spPr>
-            <a:xfrm>
-              <a:off x="8830319" y="1534023"/>
-              <a:ext cx="3214341" cy="369332"/>
-            </a:xfrm>
-            <a:prstGeom prst="rect">
-              <a:avLst/>
-            </a:prstGeom>
-            <a:noFill/>
-          </p:spPr>
-          <p:txBody>
-            <a:bodyPr wrap="none" rtlCol="0">
-              <a:spAutoFit/>
-            </a:bodyPr>
-            <a:lstStyle/>
-            <a:p>
-              <a:r>
-                <a:rPr lang="en-US" altLang="ko-KR" sz="900" dirty="0" smtClean="0">
-                  <a:solidFill>
-                    <a:srgbClr val="FF0000"/>
-                  </a:solidFill>
-                </a:rPr>
-                <a:t>1. 3</a:t>
-              </a:r>
-              <a:r>
-                <a:rPr lang="ko-KR" altLang="en-US" sz="900" dirty="0" smtClean="0">
-                  <a:solidFill>
-                    <a:srgbClr val="FF0000"/>
-                  </a:solidFill>
-                </a:rPr>
-                <a:t>번에 기회를 모두 소진한 경우</a:t>
-              </a:r>
-              <a:endParaRPr lang="en-US" altLang="ko-KR" sz="900" dirty="0" smtClean="0">
-                <a:solidFill>
-                  <a:srgbClr val="FF0000"/>
-                </a:solidFill>
-              </a:endParaRPr>
-            </a:p>
-            <a:p>
-              <a:r>
-                <a:rPr lang="en-US" altLang="ko-KR" sz="900" dirty="0" smtClean="0">
-                  <a:solidFill>
-                    <a:srgbClr val="FF0000"/>
-                  </a:solidFill>
-                </a:rPr>
-                <a:t>2. </a:t>
-              </a:r>
-              <a:r>
-                <a:rPr lang="ko-KR" altLang="en-US" sz="900" dirty="0" smtClean="0">
-                  <a:solidFill>
-                    <a:srgbClr val="FF0000"/>
-                  </a:solidFill>
-                </a:rPr>
-                <a:t>증거 채택 가능 수를 모두 소진한 후 추리를 실패할 경우</a:t>
-              </a:r>
-              <a:endParaRPr lang="ko-KR" altLang="en-US" sz="900" dirty="0">
-                <a:solidFill>
-                  <a:srgbClr val="FF0000"/>
-                </a:solidFill>
-              </a:endParaRPr>
-            </a:p>
-          </p:txBody>
-        </p:sp>
-        <p:cxnSp>
-          <p:nvCxnSpPr>
-            <p:cNvPr id="188" name="꺾인 연결선 187"/>
-            <p:cNvCxnSpPr>
-              <a:stCxn id="211" idx="0"/>
-            </p:cNvCxnSpPr>
-            <p:nvPr/>
-          </p:nvCxnSpPr>
-          <p:spPr>
-            <a:xfrm rot="16200000" flipV="1">
-              <a:off x="5875072" y="-1026348"/>
-              <a:ext cx="427415" cy="5548158"/>
-            </a:xfrm>
-            <a:prstGeom prst="bentConnector2">
-              <a:avLst/>
-            </a:prstGeom>
-            <a:ln>
-              <a:solidFill>
-                <a:srgbClr val="FF0000"/>
-              </a:solidFill>
-            </a:ln>
-          </p:spPr>
-          <p:style>
-            <a:lnRef idx="1">
-              <a:schemeClr val="accent1"/>
-            </a:lnRef>
-            <a:fillRef idx="0">
-              <a:schemeClr val="accent1"/>
-            </a:fillRef>
-            <a:effectRef idx="0">
-              <a:schemeClr val="accent1"/>
-            </a:effectRef>
-            <a:fontRef idx="minor">
-              <a:schemeClr val="tx1"/>
-            </a:fontRef>
-          </p:style>
-        </p:cxnSp>
-        <p:cxnSp>
-          <p:nvCxnSpPr>
-            <p:cNvPr id="191" name="꺾인 연결선 190"/>
-            <p:cNvCxnSpPr/>
-            <p:nvPr/>
-          </p:nvCxnSpPr>
-          <p:spPr>
-            <a:xfrm rot="16200000" flipH="1">
-              <a:off x="1483451" y="3365270"/>
-              <a:ext cx="3662499" cy="4"/>
-            </a:xfrm>
-            <a:prstGeom prst="bentConnector3">
-              <a:avLst>
-                <a:gd name="adj1" fmla="val 50000"/>
-              </a:avLst>
-            </a:prstGeom>
-            <a:ln>
-              <a:solidFill>
-                <a:srgbClr val="FF0000"/>
-              </a:solidFill>
-            </a:ln>
-          </p:spPr>
-          <p:style>
-            <a:lnRef idx="1">
-              <a:schemeClr val="accent1"/>
-            </a:lnRef>
-            <a:fillRef idx="0">
-              <a:schemeClr val="accent1"/>
-            </a:fillRef>
-            <a:effectRef idx="0">
-              <a:schemeClr val="accent1"/>
-            </a:effectRef>
-            <a:fontRef idx="minor">
-              <a:schemeClr val="tx1"/>
-            </a:fontRef>
-          </p:style>
-        </p:cxnSp>
-        <p:cxnSp>
-          <p:nvCxnSpPr>
-            <p:cNvPr id="221" name="직선 화살표 연결선 220"/>
-            <p:cNvCxnSpPr>
-              <a:endCxn id="107" idx="1"/>
-            </p:cNvCxnSpPr>
-            <p:nvPr/>
-          </p:nvCxnSpPr>
-          <p:spPr>
-            <a:xfrm>
-              <a:off x="3314698" y="5196520"/>
-              <a:ext cx="1379578" cy="1"/>
-            </a:xfrm>
-            <a:prstGeom prst="straightConnector1">
-              <a:avLst/>
-            </a:prstGeom>
-            <a:ln>
-              <a:solidFill>
-                <a:srgbClr val="FF0000"/>
-              </a:solidFill>
-              <a:tailEnd type="triangle"/>
-            </a:ln>
-          </p:spPr>
-          <p:style>
-            <a:lnRef idx="1">
-              <a:schemeClr val="accent1"/>
-            </a:lnRef>
-            <a:fillRef idx="0">
-              <a:schemeClr val="accent1"/>
-            </a:fillRef>
-            <a:effectRef idx="0">
-              <a:schemeClr val="accent1"/>
-            </a:effectRef>
-            <a:fontRef idx="minor">
-              <a:schemeClr val="tx1"/>
-            </a:fontRef>
-          </p:style>
-        </p:cxnSp>
-        <p:cxnSp>
-          <p:nvCxnSpPr>
-            <p:cNvPr id="226" name="꺾인 연결선 225"/>
-            <p:cNvCxnSpPr>
-              <a:stCxn id="214" idx="3"/>
-            </p:cNvCxnSpPr>
-            <p:nvPr/>
-          </p:nvCxnSpPr>
-          <p:spPr>
-            <a:xfrm>
-              <a:off x="10520579" y="2137311"/>
-              <a:ext cx="337921" cy="4149189"/>
-            </a:xfrm>
-            <a:prstGeom prst="bentConnector2">
-              <a:avLst/>
-            </a:prstGeom>
-            <a:ln>
-              <a:solidFill>
-                <a:schemeClr val="tx1"/>
-              </a:solidFill>
-            </a:ln>
-          </p:spPr>
-          <p:style>
-            <a:lnRef idx="1">
-              <a:schemeClr val="accent1"/>
-            </a:lnRef>
-            <a:fillRef idx="0">
-              <a:schemeClr val="accent1"/>
-            </a:fillRef>
-            <a:effectRef idx="0">
-              <a:schemeClr val="accent1"/>
-            </a:effectRef>
-            <a:fontRef idx="minor">
-              <a:schemeClr val="tx1"/>
-            </a:fontRef>
-          </p:style>
-        </p:cxnSp>
-        <p:cxnSp>
-          <p:nvCxnSpPr>
-            <p:cNvPr id="231" name="직선 연결선 230"/>
-            <p:cNvCxnSpPr/>
-            <p:nvPr/>
-          </p:nvCxnSpPr>
-          <p:spPr>
-            <a:xfrm flipH="1" flipV="1">
-              <a:off x="5235575" y="6276975"/>
-              <a:ext cx="5626100" cy="12700"/>
-            </a:xfrm>
-            <a:prstGeom prst="line">
-              <a:avLst/>
-            </a:prstGeom>
-            <a:ln>
-              <a:solidFill>
-                <a:schemeClr val="tx1"/>
-              </a:solidFill>
-            </a:ln>
-          </p:spPr>
-          <p:style>
-            <a:lnRef idx="1">
-              <a:schemeClr val="accent1"/>
-            </a:lnRef>
-            <a:fillRef idx="0">
-              <a:schemeClr val="accent1"/>
-            </a:fillRef>
-            <a:effectRef idx="0">
-              <a:schemeClr val="accent1"/>
-            </a:effectRef>
-            <a:fontRef idx="minor">
-              <a:schemeClr val="tx1"/>
-            </a:fontRef>
-          </p:style>
-        </p:cxnSp>
-        <p:cxnSp>
-          <p:nvCxnSpPr>
-            <p:cNvPr id="233" name="직선 화살표 연결선 232"/>
-            <p:cNvCxnSpPr/>
-            <p:nvPr/>
-          </p:nvCxnSpPr>
-          <p:spPr>
-            <a:xfrm flipV="1">
-              <a:off x="5235575" y="5368643"/>
-              <a:ext cx="0" cy="908332"/>
-            </a:xfrm>
-            <a:prstGeom prst="straightConnector1">
-              <a:avLst/>
-            </a:prstGeom>
-            <a:ln>
-              <a:solidFill>
-                <a:schemeClr val="tx1"/>
-              </a:solidFill>
-              <a:tailEnd type="triangle"/>
-            </a:ln>
-          </p:spPr>
-          <p:style>
-            <a:lnRef idx="1">
-              <a:schemeClr val="accent1"/>
-            </a:lnRef>
-            <a:fillRef idx="0">
-              <a:schemeClr val="accent1"/>
-            </a:fillRef>
-            <a:effectRef idx="0">
-              <a:schemeClr val="accent1"/>
-            </a:effectRef>
-            <a:fontRef idx="minor">
-              <a:schemeClr val="tx1"/>
-            </a:fontRef>
-          </p:style>
-        </p:cxnSp>
       </p:grpSp>
     </p:spTree>
     <p:extLst>
       <p:ext uri="{BB962C8B-B14F-4D97-AF65-F5344CB8AC3E}">
-        <p14:creationId xmlns:p14="http://schemas.microsoft.com/office/powerpoint/2010/main" val="2493136777"/>
+        <p14:creationId xmlns:p14="http://schemas.microsoft.com/office/powerpoint/2010/main" val="3819192214"/>
+      </p:ext>
+    </p:extLst>
+  </p:cSld>
+  <p:clrMapOvr>
+    <a:masterClrMapping/>
+  </p:clrMapOvr>
+</p:sld>
+</file>
+
+<file path=ppt/slides/slide3.xml><?xml version="1.0" encoding="utf-8"?>
+<p:sld xmlns:a="http://schemas.openxmlformats.org/drawingml/2006/main" xmlns:r="http://schemas.openxmlformats.org/officeDocument/2006/relationships" xmlns:p="http://schemas.openxmlformats.org/presentationml/2006/main">
+  <p:cSld>
+    <p:spTree>
+      <p:nvGrpSpPr>
+        <p:cNvPr id="1" name=""/>
+        <p:cNvGrpSpPr/>
+        <p:nvPr/>
+      </p:nvGrpSpPr>
+      <p:grpSpPr>
+        <a:xfrm>
+          <a:off x="0" y="0"/>
+          <a:ext cx="0" cy="0"/>
+          <a:chOff x="0" y="0"/>
+          <a:chExt cx="0" cy="0"/>
+        </a:xfrm>
+      </p:grpSpPr>
+      <p:pic>
+        <p:nvPicPr>
+          <p:cNvPr id="1026" name="Picture 2" descr="riot iconì ëí ì´ë¯¸ì§ ê²ìê²°ê³¼"/>
+          <p:cNvPicPr>
+            <a:picLocks noChangeAspect="1" noChangeArrowheads="1"/>
+          </p:cNvPicPr>
+          <p:nvPr/>
+        </p:nvPicPr>
+        <p:blipFill rotWithShape="1">
+          <a:blip r:embed="rId2">
+            <a:extLst>
+              <a:ext uri="{28A0092B-C50C-407E-A947-70E740481C1C}">
+                <a14:useLocalDpi xmlns:a14="http://schemas.microsoft.com/office/drawing/2010/main" val="0"/>
+              </a:ext>
+            </a:extLst>
+          </a:blip>
+          <a:srcRect b="36897"/>
+          <a:stretch/>
+        </p:blipFill>
+        <p:spPr bwMode="auto">
+          <a:xfrm>
+            <a:off x="1413482" y="2580357"/>
+            <a:ext cx="1381399" cy="1390389"/>
+          </a:xfrm>
+          <a:prstGeom prst="rect">
+            <a:avLst/>
+          </a:prstGeom>
+          <a:noFill/>
+          <a:extLst>
+            <a:ext uri="{909E8E84-426E-40DD-AFC4-6F175D3DCCD1}">
+              <a14:hiddenFill xmlns:a14="http://schemas.microsoft.com/office/drawing/2010/main">
+                <a:solidFill>
+                  <a:srgbClr val="FFFFFF"/>
+                </a:solidFill>
+              </a14:hiddenFill>
+            </a:ext>
+          </a:extLst>
+        </p:spPr>
+      </p:pic>
+      <p:pic>
+        <p:nvPicPr>
+          <p:cNvPr id="64" name="Picture 2" descr="riot iconì ëí ì´ë¯¸ì§ ê²ìê²°ê³¼"/>
+          <p:cNvPicPr>
+            <a:picLocks noChangeAspect="1" noChangeArrowheads="1"/>
+          </p:cNvPicPr>
+          <p:nvPr/>
+        </p:nvPicPr>
+        <p:blipFill rotWithShape="1">
+          <a:blip r:embed="rId2">
+            <a:extLst>
+              <a:ext uri="{28A0092B-C50C-407E-A947-70E740481C1C}">
+                <a14:useLocalDpi xmlns:a14="http://schemas.microsoft.com/office/drawing/2010/main" val="0"/>
+              </a:ext>
+            </a:extLst>
+          </a:blip>
+          <a:srcRect b="36897"/>
+          <a:stretch/>
+        </p:blipFill>
+        <p:spPr bwMode="auto">
+          <a:xfrm>
+            <a:off x="722783" y="1377862"/>
+            <a:ext cx="1381399" cy="1390389"/>
+          </a:xfrm>
+          <a:prstGeom prst="rect">
+            <a:avLst/>
+          </a:prstGeom>
+          <a:noFill/>
+          <a:extLst>
+            <a:ext uri="{909E8E84-426E-40DD-AFC4-6F175D3DCCD1}">
+              <a14:hiddenFill xmlns:a14="http://schemas.microsoft.com/office/drawing/2010/main">
+                <a:solidFill>
+                  <a:srgbClr val="FFFFFF"/>
+                </a:solidFill>
+              </a14:hiddenFill>
+            </a:ext>
+          </a:extLst>
+        </p:spPr>
+      </p:pic>
+      <p:pic>
+        <p:nvPicPr>
+          <p:cNvPr id="65" name="Picture 2" descr="riot iconì ëí ì´ë¯¸ì§ ê²ìê²°ê³¼"/>
+          <p:cNvPicPr>
+            <a:picLocks noChangeAspect="1" noChangeArrowheads="1"/>
+          </p:cNvPicPr>
+          <p:nvPr/>
+        </p:nvPicPr>
+        <p:blipFill rotWithShape="1">
+          <a:blip r:embed="rId2">
+            <a:extLst>
+              <a:ext uri="{28A0092B-C50C-407E-A947-70E740481C1C}">
+                <a14:useLocalDpi xmlns:a14="http://schemas.microsoft.com/office/drawing/2010/main" val="0"/>
+              </a:ext>
+            </a:extLst>
+          </a:blip>
+          <a:srcRect b="36897"/>
+          <a:stretch/>
+        </p:blipFill>
+        <p:spPr bwMode="auto">
+          <a:xfrm>
+            <a:off x="2104182" y="1377861"/>
+            <a:ext cx="1381399" cy="1390389"/>
+          </a:xfrm>
+          <a:prstGeom prst="rect">
+            <a:avLst/>
+          </a:prstGeom>
+          <a:noFill/>
+          <a:extLst>
+            <a:ext uri="{909E8E84-426E-40DD-AFC4-6F175D3DCCD1}">
+              <a14:hiddenFill xmlns:a14="http://schemas.microsoft.com/office/drawing/2010/main">
+                <a:solidFill>
+                  <a:srgbClr val="FFFFFF"/>
+                </a:solidFill>
+              </a14:hiddenFill>
+            </a:ext>
+          </a:extLst>
+        </p:spPr>
+      </p:pic>
+      <p:pic>
+        <p:nvPicPr>
+          <p:cNvPr id="66" name="Picture 2" descr="riot iconì ëí ì´ë¯¸ì§ ê²ìê²°ê³¼"/>
+          <p:cNvPicPr>
+            <a:picLocks noChangeAspect="1" noChangeArrowheads="1"/>
+          </p:cNvPicPr>
+          <p:nvPr/>
+        </p:nvPicPr>
+        <p:blipFill rotWithShape="1">
+          <a:blip r:embed="rId2">
+            <a:extLst>
+              <a:ext uri="{28A0092B-C50C-407E-A947-70E740481C1C}">
+                <a14:useLocalDpi xmlns:a14="http://schemas.microsoft.com/office/drawing/2010/main" val="0"/>
+              </a:ext>
+            </a:extLst>
+          </a:blip>
+          <a:srcRect b="36897"/>
+          <a:stretch/>
+        </p:blipFill>
+        <p:spPr bwMode="auto">
+          <a:xfrm>
+            <a:off x="3485580" y="1377860"/>
+            <a:ext cx="1381399" cy="1390389"/>
+          </a:xfrm>
+          <a:prstGeom prst="rect">
+            <a:avLst/>
+          </a:prstGeom>
+          <a:noFill/>
+          <a:extLst>
+            <a:ext uri="{909E8E84-426E-40DD-AFC4-6F175D3DCCD1}">
+              <a14:hiddenFill xmlns:a14="http://schemas.microsoft.com/office/drawing/2010/main">
+                <a:solidFill>
+                  <a:srgbClr val="FFFFFF"/>
+                </a:solidFill>
+              </a14:hiddenFill>
+            </a:ext>
+          </a:extLst>
+        </p:spPr>
+      </p:pic>
+      <p:pic>
+        <p:nvPicPr>
+          <p:cNvPr id="68" name="Picture 2" descr="riot iconì ëí ì´ë¯¸ì§ ê²ìê²°ê³¼"/>
+          <p:cNvPicPr>
+            <a:picLocks noChangeAspect="1" noChangeArrowheads="1"/>
+          </p:cNvPicPr>
+          <p:nvPr/>
+        </p:nvPicPr>
+        <p:blipFill rotWithShape="1">
+          <a:blip r:embed="rId2">
+            <a:extLst>
+              <a:ext uri="{28A0092B-C50C-407E-A947-70E740481C1C}">
+                <a14:useLocalDpi xmlns:a14="http://schemas.microsoft.com/office/drawing/2010/main" val="0"/>
+              </a:ext>
+            </a:extLst>
+          </a:blip>
+          <a:srcRect b="36897"/>
+          <a:stretch/>
+        </p:blipFill>
+        <p:spPr bwMode="auto">
+          <a:xfrm>
+            <a:off x="2794881" y="2580358"/>
+            <a:ext cx="1381399" cy="1390389"/>
+          </a:xfrm>
+          <a:prstGeom prst="rect">
+            <a:avLst/>
+          </a:prstGeom>
+          <a:noFill/>
+          <a:extLst>
+            <a:ext uri="{909E8E84-426E-40DD-AFC4-6F175D3DCCD1}">
+              <a14:hiddenFill xmlns:a14="http://schemas.microsoft.com/office/drawing/2010/main">
+                <a:solidFill>
+                  <a:srgbClr val="FFFFFF"/>
+                </a:solidFill>
+              </a14:hiddenFill>
+            </a:ext>
+          </a:extLst>
+        </p:spPr>
+      </p:pic>
+    </p:spTree>
+    <p:extLst>
+      <p:ext uri="{BB962C8B-B14F-4D97-AF65-F5344CB8AC3E}">
+        <p14:creationId xmlns:p14="http://schemas.microsoft.com/office/powerpoint/2010/main" val="2594823046"/>
       </p:ext>
     </p:extLst>
   </p:cSld>
